--- a/Computer_Fundamentals (Module_Two) [Autosaved].pptx
+++ b/Computer_Fundamentals (Module_Two) [Autosaved].pptx
@@ -53,25 +53,22 @@
   <p:notesSz cx="6858000" cy="9144000"/>
   <p:embeddedFontLst>
     <p:embeddedFont>
-      <p:font typeface="Calibri" panose="020F0502020204030204" pitchFamily="34" charset="0"/>
+      <p:font typeface="Cambria" panose="02040503050406030204" pitchFamily="18" charset="0"/>
       <p:regular r:id="rId43"/>
       <p:bold r:id="rId44"/>
       <p:italic r:id="rId45"/>
       <p:boldItalic r:id="rId46"/>
     </p:embeddedFont>
     <p:embeddedFont>
-      <p:font typeface="Cambria" panose="02040503050406030204" pitchFamily="18" charset="0"/>
+      <p:font typeface="Open Sans" panose="020B0606030504020204" pitchFamily="34" charset="0"/>
       <p:regular r:id="rId47"/>
-      <p:bold r:id="rId48"/>
-      <p:italic r:id="rId49"/>
-      <p:boldItalic r:id="rId50"/>
     </p:embeddedFont>
     <p:embeddedFont>
-      <p:font typeface="Open Sans" panose="020B0604020202020204" charset="0"/>
-      <p:regular r:id="rId51"/>
-      <p:bold r:id="rId52"/>
-      <p:italic r:id="rId53"/>
-      <p:boldItalic r:id="rId54"/>
+      <p:font typeface="Calibri" panose="020F0502020204030204" pitchFamily="34" charset="0"/>
+      <p:regular r:id="rId48"/>
+      <p:bold r:id="rId49"/>
+      <p:italic r:id="rId50"/>
+      <p:boldItalic r:id="rId51"/>
     </p:embeddedFont>
   </p:embeddedFontLst>
   <p:defaultTextStyle>
@@ -319,7 +316,7 @@
       </p15:sldGuideLst>
     </p:ext>
     <p:ext uri="http://customooxmlschemas.google.com/">
-      <go:slidesCustomData xmlns:go="http://customooxmlschemas.google.com/" xmlns:ahyp="http://schemas.microsoft.com/office/drawing/2018/hyperlinkcolor" xmlns:p15="http://schemas.microsoft.com/office/powerpoint/2012/main" xmlns:p14="http://schemas.microsoft.com/office/powerpoint/2010/main" xmlns:com="http://schemas.openxmlformats.org/drawingml/2006/compatibility" xmlns:pvml="urn:schemas-microsoft-com:office:powerpoint" xmlns:v="urn:schemas-microsoft-com:vml" xmlns:o="urn:schemas-microsoft-com:office:office" xmlns:dgm="http://schemas.openxmlformats.org/drawingml/2006/diagram" xmlns:c="http://schemas.openxmlformats.org/drawingml/2006/chart" xmlns:mv="urn:schemas-microsoft-com:mac:vml" xmlns:mc="http://schemas.openxmlformats.org/markup-compatibility/2006" xmlns="" r:id="rId67" roundtripDataSignature="AMtx7miZNgc559i0THBTPEg6IBcs5fAg8Q=="/>
+      <go:slidesCustomData xmlns="" xmlns:mc="http://schemas.openxmlformats.org/markup-compatibility/2006" xmlns:mv="urn:schemas-microsoft-com:mac:vml" xmlns:c="http://schemas.openxmlformats.org/drawingml/2006/chart" xmlns:dgm="http://schemas.openxmlformats.org/drawingml/2006/diagram" xmlns:o="urn:schemas-microsoft-com:office:office" xmlns:v="urn:schemas-microsoft-com:vml" xmlns:pvml="urn:schemas-microsoft-com:office:powerpoint" xmlns:com="http://schemas.openxmlformats.org/drawingml/2006/compatibility" xmlns:p14="http://schemas.microsoft.com/office/powerpoint/2010/main" xmlns:p15="http://schemas.microsoft.com/office/powerpoint/2012/main" xmlns:ahyp="http://schemas.microsoft.com/office/drawing/2018/hyperlinkcolor" xmlns:go="http://customooxmlschemas.google.com/" r:id="rId67" roundtripDataSignature="AMtx7miZNgc559i0THBTPEg6IBcs5fAg8Q=="/>
     </p:ext>
   </p:extLst>
 </p:presentation>
@@ -4193,6 +4190,13 @@
         </dgm:presLayoutVars>
       </dgm:prSet>
       <dgm:spPr/>
+      <dgm:t>
+        <a:bodyPr/>
+        <a:lstStyle/>
+        <a:p>
+          <a:endParaRPr lang="en-IN"/>
+        </a:p>
+      </dgm:t>
     </dgm:pt>
     <dgm:pt modelId="{CCFC29F6-8984-4F53-8369-FE1DC4942240}" type="pres">
       <dgm:prSet presAssocID="{82609C0B-5E67-4711-80DB-DD6636B937E2}" presName="vertOne" presStyleCnt="0"/>
@@ -4205,6 +4209,13 @@
         </dgm:presLayoutVars>
       </dgm:prSet>
       <dgm:spPr/>
+      <dgm:t>
+        <a:bodyPr/>
+        <a:lstStyle/>
+        <a:p>
+          <a:endParaRPr lang="en-IN"/>
+        </a:p>
+      </dgm:t>
     </dgm:pt>
     <dgm:pt modelId="{2DCF9B0B-15B2-418C-BFF3-382027CABB76}" type="pres">
       <dgm:prSet presAssocID="{82609C0B-5E67-4711-80DB-DD6636B937E2}" presName="parTransOne" presStyleCnt="0"/>
@@ -4225,6 +4236,13 @@
         </dgm:presLayoutVars>
       </dgm:prSet>
       <dgm:spPr/>
+      <dgm:t>
+        <a:bodyPr/>
+        <a:lstStyle/>
+        <a:p>
+          <a:endParaRPr lang="en-IN"/>
+        </a:p>
+      </dgm:t>
     </dgm:pt>
     <dgm:pt modelId="{86D91423-936B-4DBF-A8E1-5B9D64D37E1D}" type="pres">
       <dgm:prSet presAssocID="{C9CDD581-1BF9-41E9-9EED-AFC4AB11EEF6}" presName="horzTwo" presStyleCnt="0"/>
@@ -4245,6 +4263,13 @@
         </dgm:presLayoutVars>
       </dgm:prSet>
       <dgm:spPr/>
+      <dgm:t>
+        <a:bodyPr/>
+        <a:lstStyle/>
+        <a:p>
+          <a:endParaRPr lang="en-IN"/>
+        </a:p>
+      </dgm:t>
     </dgm:pt>
     <dgm:pt modelId="{26DECBF2-CC47-48F3-A85A-3258D6250142}" type="pres">
       <dgm:prSet presAssocID="{189B913D-D9A3-426E-B4FD-50134D2AE727}" presName="horzTwo" presStyleCnt="0"/>
@@ -4265,6 +4290,13 @@
         </dgm:presLayoutVars>
       </dgm:prSet>
       <dgm:spPr/>
+      <dgm:t>
+        <a:bodyPr/>
+        <a:lstStyle/>
+        <a:p>
+          <a:endParaRPr lang="en-IN"/>
+        </a:p>
+      </dgm:t>
     </dgm:pt>
     <dgm:pt modelId="{965B3E97-7710-46C9-AB1B-BEBAC725E25D}" type="pres">
       <dgm:prSet presAssocID="{BCA621C7-C1B7-4101-82D2-57BD79EB1DF6}" presName="horzTwo" presStyleCnt="0"/>
@@ -4285,6 +4317,13 @@
         </dgm:presLayoutVars>
       </dgm:prSet>
       <dgm:spPr/>
+      <dgm:t>
+        <a:bodyPr/>
+        <a:lstStyle/>
+        <a:p>
+          <a:endParaRPr lang="en-IN"/>
+        </a:p>
+      </dgm:t>
     </dgm:pt>
     <dgm:pt modelId="{B860255A-FEFA-4AE0-A708-1BF60B365E65}" type="pres">
       <dgm:prSet presAssocID="{7FA90CAD-26F1-4C5A-9835-8A38AAC98A22}" presName="horzTwo" presStyleCnt="0"/>
@@ -4292,17 +4331,17 @@
     </dgm:pt>
   </dgm:ptLst>
   <dgm:cxnLst>
+    <dgm:cxn modelId="{7C2DC78E-069B-46B7-8096-1E9C9E0D6831}" type="presOf" srcId="{7FA90CAD-26F1-4C5A-9835-8A38AAC98A22}" destId="{EE9AB1B4-7005-4C4D-94F7-008C6F45E5B2}" srcOrd="0" destOrd="0" presId="urn:microsoft.com/office/officeart/2005/8/layout/hierarchy4"/>
+    <dgm:cxn modelId="{5B454463-F0F1-45F6-9B18-30551B4B72F9}" srcId="{82609C0B-5E67-4711-80DB-DD6636B937E2}" destId="{189B913D-D9A3-426E-B4FD-50134D2AE727}" srcOrd="1" destOrd="0" parTransId="{CFE847B0-8728-406B-A680-5333228C307D}" sibTransId="{5C5F7473-43FE-4B99-A33D-CDD11E0EDACF}"/>
+    <dgm:cxn modelId="{4CF3ECA9-A3A1-4BB9-A4D5-A62CFFDFCD1B}" srcId="{82609C0B-5E67-4711-80DB-DD6636B937E2}" destId="{C9CDD581-1BF9-41E9-9EED-AFC4AB11EEF6}" srcOrd="0" destOrd="0" parTransId="{1E44A3A9-CEB5-4390-886B-92FECF374DFF}" sibTransId="{4B23F9C6-E582-4CB7-B387-D70985484927}"/>
     <dgm:cxn modelId="{9647720D-11BF-40D3-A08C-0E53F2AA5125}" srcId="{1F42E7E3-D5FC-4B18-87DD-217157A388E8}" destId="{82609C0B-5E67-4711-80DB-DD6636B937E2}" srcOrd="0" destOrd="0" parTransId="{1DF71AC3-45C2-4D0F-B46D-90FE7DCC6DFA}" sibTransId="{7F9D620B-841E-4185-A3E3-6D0A658228B7}"/>
+    <dgm:cxn modelId="{E7A64E3E-FB7C-46CD-8A03-6755018559DB}" type="presOf" srcId="{189B913D-D9A3-426E-B4FD-50134D2AE727}" destId="{00492270-4E58-4CE8-BA43-5D631BCC5450}" srcOrd="0" destOrd="0" presId="urn:microsoft.com/office/officeart/2005/8/layout/hierarchy4"/>
+    <dgm:cxn modelId="{3281E3EB-62A9-4620-BF2A-A02DAC55026B}" type="presOf" srcId="{1F42E7E3-D5FC-4B18-87DD-217157A388E8}" destId="{306C8621-D2FA-45EF-A079-79FA85E8B19E}" srcOrd="0" destOrd="0" presId="urn:microsoft.com/office/officeart/2005/8/layout/hierarchy4"/>
+    <dgm:cxn modelId="{963959C5-4AF2-48BA-A92A-F49398297FFC}" srcId="{82609C0B-5E67-4711-80DB-DD6636B937E2}" destId="{7FA90CAD-26F1-4C5A-9835-8A38AAC98A22}" srcOrd="3" destOrd="0" parTransId="{101A6A7A-FB79-4EC0-95A3-D9B300D22AEC}" sibTransId="{FBA0FAF6-4B6C-4796-B67C-52B03ADA2294}"/>
+    <dgm:cxn modelId="{3C9E9A4F-18FE-4DEB-BCE4-74CED375225C}" type="presOf" srcId="{82609C0B-5E67-4711-80DB-DD6636B937E2}" destId="{D0E86ABD-9F65-4BDE-93F1-A1F919A3F619}" srcOrd="0" destOrd="0" presId="urn:microsoft.com/office/officeart/2005/8/layout/hierarchy4"/>
     <dgm:cxn modelId="{0772E730-3861-4814-94B2-2D37CFC7F454}" srcId="{82609C0B-5E67-4711-80DB-DD6636B937E2}" destId="{BCA621C7-C1B7-4101-82D2-57BD79EB1DF6}" srcOrd="2" destOrd="0" parTransId="{383A555F-AD6F-4FA3-9670-B16DBCA128BA}" sibTransId="{C410FC6A-7AE0-4609-A7F1-AA5B041A2B5E}"/>
-    <dgm:cxn modelId="{E7A64E3E-FB7C-46CD-8A03-6755018559DB}" type="presOf" srcId="{189B913D-D9A3-426E-B4FD-50134D2AE727}" destId="{00492270-4E58-4CE8-BA43-5D631BCC5450}" srcOrd="0" destOrd="0" presId="urn:microsoft.com/office/officeart/2005/8/layout/hierarchy4"/>
-    <dgm:cxn modelId="{5B454463-F0F1-45F6-9B18-30551B4B72F9}" srcId="{82609C0B-5E67-4711-80DB-DD6636B937E2}" destId="{189B913D-D9A3-426E-B4FD-50134D2AE727}" srcOrd="1" destOrd="0" parTransId="{CFE847B0-8728-406B-A680-5333228C307D}" sibTransId="{5C5F7473-43FE-4B99-A33D-CDD11E0EDACF}"/>
-    <dgm:cxn modelId="{3C9E9A4F-18FE-4DEB-BCE4-74CED375225C}" type="presOf" srcId="{82609C0B-5E67-4711-80DB-DD6636B937E2}" destId="{D0E86ABD-9F65-4BDE-93F1-A1F919A3F619}" srcOrd="0" destOrd="0" presId="urn:microsoft.com/office/officeart/2005/8/layout/hierarchy4"/>
-    <dgm:cxn modelId="{7C2DC78E-069B-46B7-8096-1E9C9E0D6831}" type="presOf" srcId="{7FA90CAD-26F1-4C5A-9835-8A38AAC98A22}" destId="{EE9AB1B4-7005-4C4D-94F7-008C6F45E5B2}" srcOrd="0" destOrd="0" presId="urn:microsoft.com/office/officeart/2005/8/layout/hierarchy4"/>
     <dgm:cxn modelId="{E2D0F6A5-2CA7-4808-AAD4-8BD114B50FD4}" type="presOf" srcId="{C9CDD581-1BF9-41E9-9EED-AFC4AB11EEF6}" destId="{A86A7B12-D9EC-44C8-A3D8-E3AFDB526387}" srcOrd="0" destOrd="0" presId="urn:microsoft.com/office/officeart/2005/8/layout/hierarchy4"/>
-    <dgm:cxn modelId="{4CF3ECA9-A3A1-4BB9-A4D5-A62CFFDFCD1B}" srcId="{82609C0B-5E67-4711-80DB-DD6636B937E2}" destId="{C9CDD581-1BF9-41E9-9EED-AFC4AB11EEF6}" srcOrd="0" destOrd="0" parTransId="{1E44A3A9-CEB5-4390-886B-92FECF374DFF}" sibTransId="{4B23F9C6-E582-4CB7-B387-D70985484927}"/>
-    <dgm:cxn modelId="{963959C5-4AF2-48BA-A92A-F49398297FFC}" srcId="{82609C0B-5E67-4711-80DB-DD6636B937E2}" destId="{7FA90CAD-26F1-4C5A-9835-8A38AAC98A22}" srcOrd="3" destOrd="0" parTransId="{101A6A7A-FB79-4EC0-95A3-D9B300D22AEC}" sibTransId="{FBA0FAF6-4B6C-4796-B67C-52B03ADA2294}"/>
     <dgm:cxn modelId="{47934ECF-AFE8-438D-A73C-23CFA61EC730}" type="presOf" srcId="{BCA621C7-C1B7-4101-82D2-57BD79EB1DF6}" destId="{B5FB242A-961E-41D7-9E58-041516C76A05}" srcOrd="0" destOrd="0" presId="urn:microsoft.com/office/officeart/2005/8/layout/hierarchy4"/>
-    <dgm:cxn modelId="{3281E3EB-62A9-4620-BF2A-A02DAC55026B}" type="presOf" srcId="{1F42E7E3-D5FC-4B18-87DD-217157A388E8}" destId="{306C8621-D2FA-45EF-A079-79FA85E8B19E}" srcOrd="0" destOrd="0" presId="urn:microsoft.com/office/officeart/2005/8/layout/hierarchy4"/>
     <dgm:cxn modelId="{A82DFBB4-9855-47D0-8A29-15106C25A2D2}" type="presParOf" srcId="{306C8621-D2FA-45EF-A079-79FA85E8B19E}" destId="{CCFC29F6-8984-4F53-8369-FE1DC4942240}" srcOrd="0" destOrd="0" presId="urn:microsoft.com/office/officeart/2005/8/layout/hierarchy4"/>
     <dgm:cxn modelId="{91C112C5-297F-47DA-B59F-38B7ED4D2494}" type="presParOf" srcId="{CCFC29F6-8984-4F53-8369-FE1DC4942240}" destId="{D0E86ABD-9F65-4BDE-93F1-A1F919A3F619}" srcOrd="0" destOrd="0" presId="urn:microsoft.com/office/officeart/2005/8/layout/hierarchy4"/>
     <dgm:cxn modelId="{5C1D9C69-0FD0-4246-8B87-90446B32A822}" type="presParOf" srcId="{CCFC29F6-8984-4F53-8369-FE1DC4942240}" destId="{2DCF9B0B-15B2-418C-BFF3-382027CABB76}" srcOrd="1" destOrd="0" presId="urn:microsoft.com/office/officeart/2005/8/layout/hierarchy4"/>
@@ -4698,6 +4737,13 @@
         </dgm:presLayoutVars>
       </dgm:prSet>
       <dgm:spPr/>
+      <dgm:t>
+        <a:bodyPr/>
+        <a:lstStyle/>
+        <a:p>
+          <a:endParaRPr lang="en-IN"/>
+        </a:p>
+      </dgm:t>
     </dgm:pt>
     <dgm:pt modelId="{27B9E993-7D69-4D98-9E1B-E402AD553D13}" type="pres">
       <dgm:prSet presAssocID="{B41C4A30-345B-48C4-9232-0A3899FB5719}" presName="pyramid" presStyleLbl="node1" presStyleIdx="0" presStyleCnt="1"/>
@@ -4714,6 +4760,13 @@
         </dgm:presLayoutVars>
       </dgm:prSet>
       <dgm:spPr/>
+      <dgm:t>
+        <a:bodyPr/>
+        <a:lstStyle/>
+        <a:p>
+          <a:endParaRPr lang="en-IN"/>
+        </a:p>
+      </dgm:t>
     </dgm:pt>
     <dgm:pt modelId="{24F9BE05-A545-4635-9C2B-535C69981EBF}" type="pres">
       <dgm:prSet presAssocID="{90CE5FF3-78FC-44DF-8747-9C8A654FB637}" presName="aSpace" presStyleCnt="0"/>
@@ -4726,6 +4779,13 @@
         </dgm:presLayoutVars>
       </dgm:prSet>
       <dgm:spPr/>
+      <dgm:t>
+        <a:bodyPr/>
+        <a:lstStyle/>
+        <a:p>
+          <a:endParaRPr lang="en-IN"/>
+        </a:p>
+      </dgm:t>
     </dgm:pt>
     <dgm:pt modelId="{C7458F29-A6CD-4FF2-9902-5F7318C63007}" type="pres">
       <dgm:prSet presAssocID="{2F618AA6-6296-4345-B07E-D6B4D3C763C9}" presName="aSpace" presStyleCnt="0"/>
@@ -4738,6 +4798,13 @@
         </dgm:presLayoutVars>
       </dgm:prSet>
       <dgm:spPr/>
+      <dgm:t>
+        <a:bodyPr/>
+        <a:lstStyle/>
+        <a:p>
+          <a:endParaRPr lang="en-IN"/>
+        </a:p>
+      </dgm:t>
     </dgm:pt>
     <dgm:pt modelId="{581B79E8-4616-4D7D-8541-EBFC018D8B84}" type="pres">
       <dgm:prSet presAssocID="{8FE9B035-1701-454E-AC28-F5392AC62790}" presName="aSpace" presStyleCnt="0"/>
@@ -4750,6 +4817,13 @@
         </dgm:presLayoutVars>
       </dgm:prSet>
       <dgm:spPr/>
+      <dgm:t>
+        <a:bodyPr/>
+        <a:lstStyle/>
+        <a:p>
+          <a:endParaRPr lang="en-IN"/>
+        </a:p>
+      </dgm:t>
     </dgm:pt>
     <dgm:pt modelId="{27FF84D3-1242-4CAA-A4F7-A3E5E937B02F}" type="pres">
       <dgm:prSet presAssocID="{AECCAB77-F3F6-4369-BCE6-024C3D1C1F37}" presName="aSpace" presStyleCnt="0"/>
@@ -4762,6 +4836,13 @@
         </dgm:presLayoutVars>
       </dgm:prSet>
       <dgm:spPr/>
+      <dgm:t>
+        <a:bodyPr/>
+        <a:lstStyle/>
+        <a:p>
+          <a:endParaRPr lang="en-IN"/>
+        </a:p>
+      </dgm:t>
     </dgm:pt>
     <dgm:pt modelId="{645E5309-258D-4301-8488-C364ABA41D10}" type="pres">
       <dgm:prSet presAssocID="{6D719453-6C68-43AB-8804-7EF36792B770}" presName="aSpace" presStyleCnt="0"/>
@@ -4774,6 +4855,13 @@
         </dgm:presLayoutVars>
       </dgm:prSet>
       <dgm:spPr/>
+      <dgm:t>
+        <a:bodyPr/>
+        <a:lstStyle/>
+        <a:p>
+          <a:endParaRPr lang="en-IN"/>
+        </a:p>
+      </dgm:t>
     </dgm:pt>
     <dgm:pt modelId="{A6FB30D5-FD90-4ACB-89CC-EDED3450A2B8}" type="pres">
       <dgm:prSet presAssocID="{4FA98507-F818-4E6A-83C6-2E8F3664319F}" presName="aSpace" presStyleCnt="0"/>
@@ -4786,6 +4874,13 @@
         </dgm:presLayoutVars>
       </dgm:prSet>
       <dgm:spPr/>
+      <dgm:t>
+        <a:bodyPr/>
+        <a:lstStyle/>
+        <a:p>
+          <a:endParaRPr lang="en-IN"/>
+        </a:p>
+      </dgm:t>
     </dgm:pt>
     <dgm:pt modelId="{75B47F82-58A5-4163-ABC1-C563E939715D}" type="pres">
       <dgm:prSet presAssocID="{55E3305A-0EF3-4468-B1A2-E5ACE934D730}" presName="aSpace" presStyleCnt="0"/>
@@ -4793,21 +4888,21 @@
     </dgm:pt>
   </dgm:ptLst>
   <dgm:cxnLst>
-    <dgm:cxn modelId="{60403F1F-5C32-43C5-802C-DFD61E2A5DE0}" type="presOf" srcId="{2F618AA6-6296-4345-B07E-D6B4D3C763C9}" destId="{29CF68F8-5931-4242-8AFF-81DCF0DDC665}" srcOrd="0" destOrd="0" presId="urn:microsoft.com/office/officeart/2005/8/layout/pyramid2"/>
-    <dgm:cxn modelId="{241FD820-50FD-4391-98FE-72726DC395F1}" type="presOf" srcId="{6D719453-6C68-43AB-8804-7EF36792B770}" destId="{375261B9-7FF6-4C43-956A-1B6FF694CC4C}" srcOrd="0" destOrd="0" presId="urn:microsoft.com/office/officeart/2005/8/layout/pyramid2"/>
     <dgm:cxn modelId="{343E6B23-44A7-4A4A-864E-DB5C607779E7}" type="presOf" srcId="{B41C4A30-345B-48C4-9232-0A3899FB5719}" destId="{505BB844-D0CA-46C4-B370-BCAA6F32D77A}" srcOrd="0" destOrd="0" presId="urn:microsoft.com/office/officeart/2005/8/layout/pyramid2"/>
     <dgm:cxn modelId="{3E732F6E-56A4-480B-95EA-5462378A632F}" srcId="{B41C4A30-345B-48C4-9232-0A3899FB5719}" destId="{90CE5FF3-78FC-44DF-8747-9C8A654FB637}" srcOrd="0" destOrd="0" parTransId="{B8E62D48-1EFB-4274-BDCF-2FC43895A94C}" sibTransId="{B406B636-694D-46B9-BB9E-DF1FC842A8D5}"/>
+    <dgm:cxn modelId="{241FD820-50FD-4391-98FE-72726DC395F1}" type="presOf" srcId="{6D719453-6C68-43AB-8804-7EF36792B770}" destId="{375261B9-7FF6-4C43-956A-1B6FF694CC4C}" srcOrd="0" destOrd="0" presId="urn:microsoft.com/office/officeart/2005/8/layout/pyramid2"/>
+    <dgm:cxn modelId="{363FCE55-35B5-4D89-8648-63331BB5C551}" type="presOf" srcId="{8FE9B035-1701-454E-AC28-F5392AC62790}" destId="{13E211AC-22B4-4A5C-8873-52506DA0746B}" srcOrd="0" destOrd="0" presId="urn:microsoft.com/office/officeart/2005/8/layout/pyramid2"/>
+    <dgm:cxn modelId="{60403F1F-5C32-43C5-802C-DFD61E2A5DE0}" type="presOf" srcId="{2F618AA6-6296-4345-B07E-D6B4D3C763C9}" destId="{29CF68F8-5931-4242-8AFF-81DCF0DDC665}" srcOrd="0" destOrd="0" presId="urn:microsoft.com/office/officeart/2005/8/layout/pyramid2"/>
     <dgm:cxn modelId="{A3768550-85F9-452E-B3E2-0FFB930F39DC}" srcId="{B41C4A30-345B-48C4-9232-0A3899FB5719}" destId="{4FA98507-F818-4E6A-83C6-2E8F3664319F}" srcOrd="5" destOrd="0" parTransId="{7C7ACC06-8632-4D4B-8848-7DD726FC7CD3}" sibTransId="{0023BD1E-688A-47A6-B763-4014B4AE528D}"/>
-    <dgm:cxn modelId="{DBD21F51-4002-4D74-AF26-F586E4AF9658}" srcId="{B41C4A30-345B-48C4-9232-0A3899FB5719}" destId="{2F618AA6-6296-4345-B07E-D6B4D3C763C9}" srcOrd="1" destOrd="0" parTransId="{7FFF2789-7820-4A4E-BF33-298E0AE50FAC}" sibTransId="{C4D4E14A-380A-46C5-B9F6-92C03149E3CD}"/>
-    <dgm:cxn modelId="{363FCE55-35B5-4D89-8648-63331BB5C551}" type="presOf" srcId="{8FE9B035-1701-454E-AC28-F5392AC62790}" destId="{13E211AC-22B4-4A5C-8873-52506DA0746B}" srcOrd="0" destOrd="0" presId="urn:microsoft.com/office/officeart/2005/8/layout/pyramid2"/>
-    <dgm:cxn modelId="{31E2C87D-0F64-42E3-8A32-602FA03F8F99}" type="presOf" srcId="{90CE5FF3-78FC-44DF-8747-9C8A654FB637}" destId="{86985E57-161A-4D9A-B294-CBC8B8EE42A3}" srcOrd="0" destOrd="0" presId="urn:microsoft.com/office/officeart/2005/8/layout/pyramid2"/>
-    <dgm:cxn modelId="{4C20A0B9-FC5F-47DE-A103-6AF46989C51A}" srcId="{B41C4A30-345B-48C4-9232-0A3899FB5719}" destId="{8FE9B035-1701-454E-AC28-F5392AC62790}" srcOrd="2" destOrd="0" parTransId="{8C040EFB-83FE-4361-B60A-19E348E69236}" sibTransId="{4ED34749-EEF9-47B2-A3A6-A96A8D22581D}"/>
+    <dgm:cxn modelId="{BBC933CD-4C58-4162-AA04-D9B73133FE4A}" type="presOf" srcId="{AECCAB77-F3F6-4369-BCE6-024C3D1C1F37}" destId="{DBC85535-D1EC-450F-8231-00A2CCE80524}" srcOrd="0" destOrd="0" presId="urn:microsoft.com/office/officeart/2005/8/layout/pyramid2"/>
+    <dgm:cxn modelId="{61B593CA-5912-4F48-BD92-7D7742CAC576}" type="presOf" srcId="{55E3305A-0EF3-4468-B1A2-E5ACE934D730}" destId="{B0E6B995-6ADD-4EBD-B98C-555E3727A76A}" srcOrd="0" destOrd="0" presId="urn:microsoft.com/office/officeart/2005/8/layout/pyramid2"/>
     <dgm:cxn modelId="{59ECFBBA-075A-4113-9818-6F79DF7C800D}" srcId="{B41C4A30-345B-48C4-9232-0A3899FB5719}" destId="{AECCAB77-F3F6-4369-BCE6-024C3D1C1F37}" srcOrd="3" destOrd="0" parTransId="{E05A4E30-486F-4238-8C53-3A6A2E8031FF}" sibTransId="{18C0B5D7-69B5-4EAA-8C7B-8C0D225E8AB0}"/>
     <dgm:cxn modelId="{262C5ABB-09EA-40E2-8D09-C8843C19D2BC}" srcId="{B41C4A30-345B-48C4-9232-0A3899FB5719}" destId="{55E3305A-0EF3-4468-B1A2-E5ACE934D730}" srcOrd="6" destOrd="0" parTransId="{E4D45200-21F4-49CC-8EC1-B8784105CCD6}" sibTransId="{DF2F5FCA-0BD1-4D93-A6A7-8427D91547A5}"/>
-    <dgm:cxn modelId="{61B593CA-5912-4F48-BD92-7D7742CAC576}" type="presOf" srcId="{55E3305A-0EF3-4468-B1A2-E5ACE934D730}" destId="{B0E6B995-6ADD-4EBD-B98C-555E3727A76A}" srcOrd="0" destOrd="0" presId="urn:microsoft.com/office/officeart/2005/8/layout/pyramid2"/>
-    <dgm:cxn modelId="{BBC933CD-4C58-4162-AA04-D9B73133FE4A}" type="presOf" srcId="{AECCAB77-F3F6-4369-BCE6-024C3D1C1F37}" destId="{DBC85535-D1EC-450F-8231-00A2CCE80524}" srcOrd="0" destOrd="0" presId="urn:microsoft.com/office/officeart/2005/8/layout/pyramid2"/>
+    <dgm:cxn modelId="{7C3ACDF2-6C0A-4971-9F36-C02A8B9FCB78}" type="presOf" srcId="{4FA98507-F818-4E6A-83C6-2E8F3664319F}" destId="{9D8C8099-74A4-4A88-BA0F-609836FA3EF5}" srcOrd="0" destOrd="0" presId="urn:microsoft.com/office/officeart/2005/8/layout/pyramid2"/>
+    <dgm:cxn modelId="{31E2C87D-0F64-42E3-8A32-602FA03F8F99}" type="presOf" srcId="{90CE5FF3-78FC-44DF-8747-9C8A654FB637}" destId="{86985E57-161A-4D9A-B294-CBC8B8EE42A3}" srcOrd="0" destOrd="0" presId="urn:microsoft.com/office/officeart/2005/8/layout/pyramid2"/>
     <dgm:cxn modelId="{B092A1CE-7A31-4A07-AB54-2C6FC41885A2}" srcId="{B41C4A30-345B-48C4-9232-0A3899FB5719}" destId="{6D719453-6C68-43AB-8804-7EF36792B770}" srcOrd="4" destOrd="0" parTransId="{84EDCF3C-E129-4028-8F4F-2EB7A6E26720}" sibTransId="{E360BD9D-330D-4F41-AB24-D6967CFF0CE3}"/>
-    <dgm:cxn modelId="{7C3ACDF2-6C0A-4971-9F36-C02A8B9FCB78}" type="presOf" srcId="{4FA98507-F818-4E6A-83C6-2E8F3664319F}" destId="{9D8C8099-74A4-4A88-BA0F-609836FA3EF5}" srcOrd="0" destOrd="0" presId="urn:microsoft.com/office/officeart/2005/8/layout/pyramid2"/>
+    <dgm:cxn modelId="{4C20A0B9-FC5F-47DE-A103-6AF46989C51A}" srcId="{B41C4A30-345B-48C4-9232-0A3899FB5719}" destId="{8FE9B035-1701-454E-AC28-F5392AC62790}" srcOrd="2" destOrd="0" parTransId="{8C040EFB-83FE-4361-B60A-19E348E69236}" sibTransId="{4ED34749-EEF9-47B2-A3A6-A96A8D22581D}"/>
+    <dgm:cxn modelId="{DBD21F51-4002-4D74-AF26-F586E4AF9658}" srcId="{B41C4A30-345B-48C4-9232-0A3899FB5719}" destId="{2F618AA6-6296-4345-B07E-D6B4D3C763C9}" srcOrd="1" destOrd="0" parTransId="{7FFF2789-7820-4A4E-BF33-298E0AE50FAC}" sibTransId="{C4D4E14A-380A-46C5-B9F6-92C03149E3CD}"/>
     <dgm:cxn modelId="{12D4052D-DB7F-4900-A7D6-C02B77627C7F}" type="presParOf" srcId="{505BB844-D0CA-46C4-B370-BCAA6F32D77A}" destId="{27B9E993-7D69-4D98-9E1B-E402AD553D13}" srcOrd="0" destOrd="0" presId="urn:microsoft.com/office/officeart/2005/8/layout/pyramid2"/>
     <dgm:cxn modelId="{516F8DBF-D038-4350-A825-A1BCE0505720}" type="presParOf" srcId="{505BB844-D0CA-46C4-B370-BCAA6F32D77A}" destId="{E8842A8F-3AB6-4DD0-8F4D-54A30FCBE0F2}" srcOrd="1" destOrd="0" presId="urn:microsoft.com/office/officeart/2005/8/layout/pyramid2"/>
     <dgm:cxn modelId="{6574EE31-9B23-4343-98FE-38B3172320AB}" type="presParOf" srcId="{E8842A8F-3AB6-4DD0-8F4D-54A30FCBE0F2}" destId="{86985E57-161A-4D9A-B294-CBC8B8EE42A3}" srcOrd="0" destOrd="0" presId="urn:microsoft.com/office/officeart/2005/8/layout/pyramid2"/>
@@ -5002,23 +5097,44 @@
     <dgm:pt modelId="{54B8B32C-1085-4036-A9AD-B6F5A8C3C6F8}" type="pres">
       <dgm:prSet presAssocID="{03B1E623-7447-40A1-8816-900A7FE41E3D}" presName="parTx1" presStyleLbl="node1" presStyleIdx="0" presStyleCnt="3" custScaleX="139541"/>
       <dgm:spPr/>
+      <dgm:t>
+        <a:bodyPr/>
+        <a:lstStyle/>
+        <a:p>
+          <a:endParaRPr lang="en-IN"/>
+        </a:p>
+      </dgm:t>
     </dgm:pt>
     <dgm:pt modelId="{C3F7168E-364C-483C-8ABD-B8621037A5BC}" type="pres">
       <dgm:prSet presAssocID="{29C8C423-2A57-4C4F-97F9-11603DFE719A}" presName="parTx2" presStyleLbl="node1" presStyleIdx="1" presStyleCnt="3" custScaleX="139541"/>
       <dgm:spPr/>
+      <dgm:t>
+        <a:bodyPr/>
+        <a:lstStyle/>
+        <a:p>
+          <a:endParaRPr lang="en-IN"/>
+        </a:p>
+      </dgm:t>
     </dgm:pt>
     <dgm:pt modelId="{33B35B95-EC65-4B24-8FED-43A73437C8DC}" type="pres">
       <dgm:prSet presAssocID="{3EACFC1D-5834-4E67-AFA7-119A092ECB2B}" presName="parTx3" presStyleLbl="node1" presStyleIdx="2" presStyleCnt="3" custScaleX="139541"/>
       <dgm:spPr/>
+      <dgm:t>
+        <a:bodyPr/>
+        <a:lstStyle/>
+        <a:p>
+          <a:endParaRPr lang="en-IN"/>
+        </a:p>
+      </dgm:t>
     </dgm:pt>
   </dgm:ptLst>
   <dgm:cxnLst>
     <dgm:cxn modelId="{3C29C923-F995-4BCE-AF49-76FF9EDE8781}" type="presOf" srcId="{122F03EB-EF2F-457E-B02B-5F0732036A36}" destId="{C6782D16-EE47-4B51-A1C5-B4AD31252899}" srcOrd="0" destOrd="0" presId="urn:microsoft.com/office/officeart/2009/3/layout/SubStepProcess"/>
+    <dgm:cxn modelId="{C857EFC5-2AF5-4B54-B4B0-5A41721E82C7}" srcId="{122F03EB-EF2F-457E-B02B-5F0732036A36}" destId="{3EACFC1D-5834-4E67-AFA7-119A092ECB2B}" srcOrd="2" destOrd="0" parTransId="{E5F070D2-D662-496D-9961-A0AF258E917B}" sibTransId="{149E37CB-B46B-4123-A9D3-326E5231291B}"/>
+    <dgm:cxn modelId="{BC8F1E3B-C8E3-48B0-8587-8A45FE4C6E09}" srcId="{122F03EB-EF2F-457E-B02B-5F0732036A36}" destId="{03B1E623-7447-40A1-8816-900A7FE41E3D}" srcOrd="0" destOrd="0" parTransId="{6125157B-1281-40DD-BAEA-F2D3CF344845}" sibTransId="{2429489A-EEDD-4AF1-89B8-C0E3063D1CB0}"/>
+    <dgm:cxn modelId="{7A267238-9ECD-42DB-AF79-2EFCF3EE1CD5}" type="presOf" srcId="{03B1E623-7447-40A1-8816-900A7FE41E3D}" destId="{54B8B32C-1085-4036-A9AD-B6F5A8C3C6F8}" srcOrd="0" destOrd="0" presId="urn:microsoft.com/office/officeart/2009/3/layout/SubStepProcess"/>
     <dgm:cxn modelId="{1C09C335-5E6B-4C12-BCDB-3364643455DC}" type="presOf" srcId="{3EACFC1D-5834-4E67-AFA7-119A092ECB2B}" destId="{33B35B95-EC65-4B24-8FED-43A73437C8DC}" srcOrd="0" destOrd="0" presId="urn:microsoft.com/office/officeart/2009/3/layout/SubStepProcess"/>
-    <dgm:cxn modelId="{7A267238-9ECD-42DB-AF79-2EFCF3EE1CD5}" type="presOf" srcId="{03B1E623-7447-40A1-8816-900A7FE41E3D}" destId="{54B8B32C-1085-4036-A9AD-B6F5A8C3C6F8}" srcOrd="0" destOrd="0" presId="urn:microsoft.com/office/officeart/2009/3/layout/SubStepProcess"/>
-    <dgm:cxn modelId="{BC8F1E3B-C8E3-48B0-8587-8A45FE4C6E09}" srcId="{122F03EB-EF2F-457E-B02B-5F0732036A36}" destId="{03B1E623-7447-40A1-8816-900A7FE41E3D}" srcOrd="0" destOrd="0" parTransId="{6125157B-1281-40DD-BAEA-F2D3CF344845}" sibTransId="{2429489A-EEDD-4AF1-89B8-C0E3063D1CB0}"/>
     <dgm:cxn modelId="{61D02778-B425-4F5B-B4EF-CA682772E547}" type="presOf" srcId="{29C8C423-2A57-4C4F-97F9-11603DFE719A}" destId="{C3F7168E-364C-483C-8ABD-B8621037A5BC}" srcOrd="0" destOrd="0" presId="urn:microsoft.com/office/officeart/2009/3/layout/SubStepProcess"/>
-    <dgm:cxn modelId="{C857EFC5-2AF5-4B54-B4B0-5A41721E82C7}" srcId="{122F03EB-EF2F-457E-B02B-5F0732036A36}" destId="{3EACFC1D-5834-4E67-AFA7-119A092ECB2B}" srcOrd="2" destOrd="0" parTransId="{E5F070D2-D662-496D-9961-A0AF258E917B}" sibTransId="{149E37CB-B46B-4123-A9D3-326E5231291B}"/>
     <dgm:cxn modelId="{85FA39D0-15E3-4009-8758-4656A12AB832}" srcId="{122F03EB-EF2F-457E-B02B-5F0732036A36}" destId="{29C8C423-2A57-4C4F-97F9-11603DFE719A}" srcOrd="1" destOrd="0" parTransId="{E6FD28D1-BE05-46DA-963B-A2B9D94F5C1B}" sibTransId="{6E93EA8F-381A-4DCB-8F6E-C22B6F1A044B}"/>
     <dgm:cxn modelId="{1CE73356-928A-4DA0-88E5-FBDBB75686C2}" type="presParOf" srcId="{C6782D16-EE47-4B51-A1C5-B4AD31252899}" destId="{54B8B32C-1085-4036-A9AD-B6F5A8C3C6F8}" srcOrd="0" destOrd="0" presId="urn:microsoft.com/office/officeart/2009/3/layout/SubStepProcess"/>
     <dgm:cxn modelId="{30B333BF-F495-4A92-8F59-33F02F3AF430}" type="presParOf" srcId="{C6782D16-EE47-4B51-A1C5-B4AD31252899}" destId="{C3F7168E-364C-483C-8ABD-B8621037A5BC}" srcOrd="1" destOrd="0" presId="urn:microsoft.com/office/officeart/2009/3/layout/SubStepProcess"/>
@@ -5201,23 +5317,44 @@
     <dgm:pt modelId="{54B8B32C-1085-4036-A9AD-B6F5A8C3C6F8}" type="pres">
       <dgm:prSet presAssocID="{03B1E623-7447-40A1-8816-900A7FE41E3D}" presName="parTx1" presStyleLbl="node1" presStyleIdx="0" presStyleCnt="3" custScaleX="139541"/>
       <dgm:spPr/>
+      <dgm:t>
+        <a:bodyPr/>
+        <a:lstStyle/>
+        <a:p>
+          <a:endParaRPr lang="en-IN"/>
+        </a:p>
+      </dgm:t>
     </dgm:pt>
     <dgm:pt modelId="{C3F7168E-364C-483C-8ABD-B8621037A5BC}" type="pres">
       <dgm:prSet presAssocID="{29C8C423-2A57-4C4F-97F9-11603DFE719A}" presName="parTx2" presStyleLbl="node1" presStyleIdx="1" presStyleCnt="3" custScaleX="139541"/>
       <dgm:spPr/>
+      <dgm:t>
+        <a:bodyPr/>
+        <a:lstStyle/>
+        <a:p>
+          <a:endParaRPr lang="en-IN"/>
+        </a:p>
+      </dgm:t>
     </dgm:pt>
     <dgm:pt modelId="{33B35B95-EC65-4B24-8FED-43A73437C8DC}" type="pres">
       <dgm:prSet presAssocID="{3EACFC1D-5834-4E67-AFA7-119A092ECB2B}" presName="parTx3" presStyleLbl="node1" presStyleIdx="2" presStyleCnt="3" custScaleX="139541"/>
       <dgm:spPr/>
+      <dgm:t>
+        <a:bodyPr/>
+        <a:lstStyle/>
+        <a:p>
+          <a:endParaRPr lang="en-IN"/>
+        </a:p>
+      </dgm:t>
     </dgm:pt>
   </dgm:ptLst>
   <dgm:cxnLst>
     <dgm:cxn modelId="{3C29C923-F995-4BCE-AF49-76FF9EDE8781}" type="presOf" srcId="{122F03EB-EF2F-457E-B02B-5F0732036A36}" destId="{C6782D16-EE47-4B51-A1C5-B4AD31252899}" srcOrd="0" destOrd="0" presId="urn:microsoft.com/office/officeart/2009/3/layout/SubStepProcess"/>
+    <dgm:cxn modelId="{C857EFC5-2AF5-4B54-B4B0-5A41721E82C7}" srcId="{122F03EB-EF2F-457E-B02B-5F0732036A36}" destId="{3EACFC1D-5834-4E67-AFA7-119A092ECB2B}" srcOrd="2" destOrd="0" parTransId="{E5F070D2-D662-496D-9961-A0AF258E917B}" sibTransId="{149E37CB-B46B-4123-A9D3-326E5231291B}"/>
+    <dgm:cxn modelId="{BC8F1E3B-C8E3-48B0-8587-8A45FE4C6E09}" srcId="{122F03EB-EF2F-457E-B02B-5F0732036A36}" destId="{03B1E623-7447-40A1-8816-900A7FE41E3D}" srcOrd="0" destOrd="0" parTransId="{6125157B-1281-40DD-BAEA-F2D3CF344845}" sibTransId="{2429489A-EEDD-4AF1-89B8-C0E3063D1CB0}"/>
+    <dgm:cxn modelId="{7A267238-9ECD-42DB-AF79-2EFCF3EE1CD5}" type="presOf" srcId="{03B1E623-7447-40A1-8816-900A7FE41E3D}" destId="{54B8B32C-1085-4036-A9AD-B6F5A8C3C6F8}" srcOrd="0" destOrd="0" presId="urn:microsoft.com/office/officeart/2009/3/layout/SubStepProcess"/>
     <dgm:cxn modelId="{1C09C335-5E6B-4C12-BCDB-3364643455DC}" type="presOf" srcId="{3EACFC1D-5834-4E67-AFA7-119A092ECB2B}" destId="{33B35B95-EC65-4B24-8FED-43A73437C8DC}" srcOrd="0" destOrd="0" presId="urn:microsoft.com/office/officeart/2009/3/layout/SubStepProcess"/>
-    <dgm:cxn modelId="{7A267238-9ECD-42DB-AF79-2EFCF3EE1CD5}" type="presOf" srcId="{03B1E623-7447-40A1-8816-900A7FE41E3D}" destId="{54B8B32C-1085-4036-A9AD-B6F5A8C3C6F8}" srcOrd="0" destOrd="0" presId="urn:microsoft.com/office/officeart/2009/3/layout/SubStepProcess"/>
-    <dgm:cxn modelId="{BC8F1E3B-C8E3-48B0-8587-8A45FE4C6E09}" srcId="{122F03EB-EF2F-457E-B02B-5F0732036A36}" destId="{03B1E623-7447-40A1-8816-900A7FE41E3D}" srcOrd="0" destOrd="0" parTransId="{6125157B-1281-40DD-BAEA-F2D3CF344845}" sibTransId="{2429489A-EEDD-4AF1-89B8-C0E3063D1CB0}"/>
     <dgm:cxn modelId="{61D02778-B425-4F5B-B4EF-CA682772E547}" type="presOf" srcId="{29C8C423-2A57-4C4F-97F9-11603DFE719A}" destId="{C3F7168E-364C-483C-8ABD-B8621037A5BC}" srcOrd="0" destOrd="0" presId="urn:microsoft.com/office/officeart/2009/3/layout/SubStepProcess"/>
-    <dgm:cxn modelId="{C857EFC5-2AF5-4B54-B4B0-5A41721E82C7}" srcId="{122F03EB-EF2F-457E-B02B-5F0732036A36}" destId="{3EACFC1D-5834-4E67-AFA7-119A092ECB2B}" srcOrd="2" destOrd="0" parTransId="{E5F070D2-D662-496D-9961-A0AF258E917B}" sibTransId="{149E37CB-B46B-4123-A9D3-326E5231291B}"/>
     <dgm:cxn modelId="{85FA39D0-15E3-4009-8758-4656A12AB832}" srcId="{122F03EB-EF2F-457E-B02B-5F0732036A36}" destId="{29C8C423-2A57-4C4F-97F9-11603DFE719A}" srcOrd="1" destOrd="0" parTransId="{E6FD28D1-BE05-46DA-963B-A2B9D94F5C1B}" sibTransId="{6E93EA8F-381A-4DCB-8F6E-C22B6F1A044B}"/>
     <dgm:cxn modelId="{1CE73356-928A-4DA0-88E5-FBDBB75686C2}" type="presParOf" srcId="{C6782D16-EE47-4B51-A1C5-B4AD31252899}" destId="{54B8B32C-1085-4036-A9AD-B6F5A8C3C6F8}" srcOrd="0" destOrd="0" presId="urn:microsoft.com/office/officeart/2009/3/layout/SubStepProcess"/>
     <dgm:cxn modelId="{30B333BF-F495-4A92-8F59-33F02F3AF430}" type="presParOf" srcId="{C6782D16-EE47-4B51-A1C5-B4AD31252899}" destId="{C3F7168E-364C-483C-8ABD-B8621037A5BC}" srcOrd="1" destOrd="0" presId="urn:microsoft.com/office/officeart/2009/3/layout/SubStepProcess"/>
@@ -5298,7 +5435,7 @@
         </a:bodyPr>
         <a:lstStyle/>
         <a:p>
-          <a:pPr marL="0" lvl="0" indent="0" algn="ctr" defTabSz="2133600">
+          <a:pPr lvl="0" algn="ctr" defTabSz="2133600">
             <a:lnSpc>
               <a:spcPct val="90000"/>
             </a:lnSpc>
@@ -5308,7 +5445,6 @@
             <a:spcAft>
               <a:spcPct val="35000"/>
             </a:spcAft>
-            <a:buNone/>
           </a:pPr>
           <a:r>
             <a:rPr lang="en-US" sz="4800" b="1" kern="1200" dirty="0">
@@ -5385,7 +5521,7 @@
         </a:bodyPr>
         <a:lstStyle/>
         <a:p>
-          <a:pPr marL="0" lvl="0" indent="0" algn="ctr" defTabSz="1333500">
+          <a:pPr lvl="0" algn="ctr" defTabSz="1333500">
             <a:lnSpc>
               <a:spcPct val="90000"/>
             </a:lnSpc>
@@ -5395,7 +5531,6 @@
             <a:spcAft>
               <a:spcPct val="35000"/>
             </a:spcAft>
-            <a:buNone/>
           </a:pPr>
           <a:r>
             <a:rPr lang="en-US" sz="3000" kern="1200" dirty="0">
@@ -5472,7 +5607,7 @@
         </a:bodyPr>
         <a:lstStyle/>
         <a:p>
-          <a:pPr marL="0" lvl="0" indent="0" algn="ctr" defTabSz="1333500">
+          <a:pPr lvl="0" algn="ctr" defTabSz="1333500">
             <a:lnSpc>
               <a:spcPct val="90000"/>
             </a:lnSpc>
@@ -5482,7 +5617,6 @@
             <a:spcAft>
               <a:spcPct val="35000"/>
             </a:spcAft>
-            <a:buNone/>
           </a:pPr>
           <a:r>
             <a:rPr lang="en-US" sz="3000" kern="1200" dirty="0">
@@ -5559,7 +5693,7 @@
         </a:bodyPr>
         <a:lstStyle/>
         <a:p>
-          <a:pPr marL="0" lvl="0" indent="0" algn="ctr" defTabSz="1333500">
+          <a:pPr lvl="0" algn="ctr" defTabSz="1333500">
             <a:lnSpc>
               <a:spcPct val="90000"/>
             </a:lnSpc>
@@ -5569,7 +5703,6 @@
             <a:spcAft>
               <a:spcPct val="35000"/>
             </a:spcAft>
-            <a:buNone/>
           </a:pPr>
           <a:r>
             <a:rPr lang="en-US" sz="3000" kern="1200" dirty="0">
@@ -5646,7 +5779,7 @@
         </a:bodyPr>
         <a:lstStyle/>
         <a:p>
-          <a:pPr marL="0" lvl="0" indent="0" algn="ctr" defTabSz="1333500">
+          <a:pPr lvl="0" algn="ctr" defTabSz="1333500">
             <a:lnSpc>
               <a:spcPct val="90000"/>
             </a:lnSpc>
@@ -5656,7 +5789,6 @@
             <a:spcAft>
               <a:spcPct val="35000"/>
             </a:spcAft>
-            <a:buNone/>
           </a:pPr>
           <a:r>
             <a:rPr lang="en-US" sz="3000" kern="1200" dirty="0">
@@ -5792,7 +5924,7 @@
         </a:bodyPr>
         <a:lstStyle/>
         <a:p>
-          <a:pPr marL="0" lvl="0" indent="0" algn="ctr" defTabSz="1066800">
+          <a:pPr lvl="0" algn="ctr" defTabSz="1066800">
             <a:lnSpc>
               <a:spcPct val="90000"/>
             </a:lnSpc>
@@ -5802,7 +5934,6 @@
             <a:spcAft>
               <a:spcPct val="35000"/>
             </a:spcAft>
-            <a:buNone/>
           </a:pPr>
           <a:r>
             <a:rPr lang="en-US" sz="2400" kern="1200" dirty="0">
@@ -5876,7 +6007,7 @@
         </a:bodyPr>
         <a:lstStyle/>
         <a:p>
-          <a:pPr marL="0" lvl="0" indent="0" algn="ctr" defTabSz="1066800">
+          <a:pPr lvl="0" algn="ctr" defTabSz="1066800">
             <a:lnSpc>
               <a:spcPct val="90000"/>
             </a:lnSpc>
@@ -5886,7 +6017,6 @@
             <a:spcAft>
               <a:spcPct val="35000"/>
             </a:spcAft>
-            <a:buNone/>
           </a:pPr>
           <a:r>
             <a:rPr lang="en-US" sz="2400" kern="1200" dirty="0">
@@ -5960,7 +6090,7 @@
         </a:bodyPr>
         <a:lstStyle/>
         <a:p>
-          <a:pPr marL="0" lvl="0" indent="0" algn="ctr" defTabSz="1066800">
+          <a:pPr lvl="0" algn="ctr" defTabSz="1066800">
             <a:lnSpc>
               <a:spcPct val="90000"/>
             </a:lnSpc>
@@ -5970,7 +6100,6 @@
             <a:spcAft>
               <a:spcPct val="35000"/>
             </a:spcAft>
-            <a:buNone/>
           </a:pPr>
           <a:r>
             <a:rPr lang="en-US" sz="2400" kern="1200" dirty="0">
@@ -6044,7 +6173,7 @@
         </a:bodyPr>
         <a:lstStyle/>
         <a:p>
-          <a:pPr marL="0" lvl="0" indent="0" algn="ctr" defTabSz="1066800">
+          <a:pPr lvl="0" algn="ctr" defTabSz="1066800">
             <a:lnSpc>
               <a:spcPct val="90000"/>
             </a:lnSpc>
@@ -6054,7 +6183,6 @@
             <a:spcAft>
               <a:spcPct val="35000"/>
             </a:spcAft>
-            <a:buNone/>
           </a:pPr>
           <a:r>
             <a:rPr lang="en-US" sz="2400" kern="1200" dirty="0">
@@ -6128,7 +6256,7 @@
         </a:bodyPr>
         <a:lstStyle/>
         <a:p>
-          <a:pPr marL="0" lvl="0" indent="0" algn="ctr" defTabSz="1066800">
+          <a:pPr lvl="0" algn="ctr" defTabSz="1066800">
             <a:lnSpc>
               <a:spcPct val="90000"/>
             </a:lnSpc>
@@ -6138,7 +6266,6 @@
             <a:spcAft>
               <a:spcPct val="35000"/>
             </a:spcAft>
-            <a:buNone/>
           </a:pPr>
           <a:r>
             <a:rPr lang="en-US" sz="2400" kern="1200" dirty="0">
@@ -6212,7 +6339,7 @@
         </a:bodyPr>
         <a:lstStyle/>
         <a:p>
-          <a:pPr marL="0" lvl="0" indent="0" algn="ctr" defTabSz="1066800">
+          <a:pPr lvl="0" algn="ctr" defTabSz="1066800">
             <a:lnSpc>
               <a:spcPct val="90000"/>
             </a:lnSpc>
@@ -6222,7 +6349,6 @@
             <a:spcAft>
               <a:spcPct val="35000"/>
             </a:spcAft>
-            <a:buNone/>
           </a:pPr>
           <a:r>
             <a:rPr lang="en-US" sz="2400" kern="1200" dirty="0">
@@ -6296,7 +6422,7 @@
         </a:bodyPr>
         <a:lstStyle/>
         <a:p>
-          <a:pPr marL="0" lvl="0" indent="0" algn="ctr" defTabSz="1066800">
+          <a:pPr lvl="0" algn="ctr" defTabSz="1066800">
             <a:lnSpc>
               <a:spcPct val="90000"/>
             </a:lnSpc>
@@ -6306,7 +6432,6 @@
             <a:spcAft>
               <a:spcPct val="35000"/>
             </a:spcAft>
-            <a:buNone/>
           </a:pPr>
           <a:r>
             <a:rPr lang="en-US" sz="2400" kern="1200" dirty="0">
@@ -6338,276 +6463,6 @@
       <dsp:cNvGrpSpPr/>
     </dsp:nvGrpSpPr>
     <dsp:grpSpPr/>
-    <dsp:sp modelId="{54B8B32C-1085-4036-A9AD-B6F5A8C3C6F8}">
-      <dsp:nvSpPr>
-        <dsp:cNvPr id="0" name=""/>
-        <dsp:cNvSpPr/>
-      </dsp:nvSpPr>
-      <dsp:spPr>
-        <a:xfrm>
-          <a:off x="986942" y="481316"/>
-          <a:ext cx="3397155" cy="2434521"/>
-        </a:xfrm>
-        <a:prstGeom prst="ellipse">
-          <a:avLst/>
-        </a:prstGeom>
-        <a:solidFill>
-          <a:schemeClr val="accent2">
-            <a:hueOff val="0"/>
-            <a:satOff val="0"/>
-            <a:lumOff val="0"/>
-            <a:alphaOff val="0"/>
-          </a:schemeClr>
-        </a:solidFill>
-        <a:ln w="38100" cap="flat" cmpd="sng" algn="ctr">
-          <a:solidFill>
-            <a:schemeClr val="lt1">
-              <a:hueOff val="0"/>
-              <a:satOff val="0"/>
-              <a:lumOff val="0"/>
-              <a:alphaOff val="0"/>
-            </a:schemeClr>
-          </a:solidFill>
-          <a:prstDash val="solid"/>
-        </a:ln>
-        <a:effectLst>
-          <a:outerShdw blurRad="40000" dist="20000" dir="5400000" rotWithShape="0">
-            <a:srgbClr val="000000">
-              <a:alpha val="38000"/>
-            </a:srgbClr>
-          </a:outerShdw>
-        </a:effectLst>
-      </dsp:spPr>
-      <dsp:style>
-        <a:lnRef idx="3">
-          <a:scrgbClr r="0" g="0" b="0"/>
-        </a:lnRef>
-        <a:fillRef idx="1">
-          <a:scrgbClr r="0" g="0" b="0"/>
-        </a:fillRef>
-        <a:effectRef idx="1">
-          <a:scrgbClr r="0" g="0" b="0"/>
-        </a:effectRef>
-        <a:fontRef idx="minor">
-          <a:schemeClr val="lt1"/>
-        </a:fontRef>
-      </dsp:style>
-      <dsp:txBody>
-        <a:bodyPr spcFirstLastPara="0" vert="horz" wrap="square" lIns="0" tIns="0" rIns="0" bIns="0" numCol="1" spcCol="1270" anchor="ctr" anchorCtr="0">
-          <a:noAutofit/>
-        </a:bodyPr>
-        <a:lstStyle/>
-        <a:p>
-          <a:pPr marL="0" lvl="0" indent="0" algn="ctr" defTabSz="1244600">
-            <a:lnSpc>
-              <a:spcPct val="90000"/>
-            </a:lnSpc>
-            <a:spcBef>
-              <a:spcPct val="0"/>
-            </a:spcBef>
-            <a:spcAft>
-              <a:spcPct val="35000"/>
-            </a:spcAft>
-            <a:buNone/>
-          </a:pPr>
-          <a:r>
-            <a:rPr lang="en-US" sz="2800" kern="1200" dirty="0">
-              <a:latin typeface="Cambria" panose="02040503050406030204" pitchFamily="18" charset="0"/>
-              <a:ea typeface="Cambria" panose="02040503050406030204" pitchFamily="18" charset="0"/>
-            </a:rPr>
-            <a:t>Design</a:t>
-          </a:r>
-          <a:endParaRPr lang="en-IN" sz="2800" kern="1200" dirty="0">
-            <a:latin typeface="Cambria" panose="02040503050406030204" pitchFamily="18" charset="0"/>
-            <a:ea typeface="Cambria" panose="02040503050406030204" pitchFamily="18" charset="0"/>
-          </a:endParaRPr>
-        </a:p>
-      </dsp:txBody>
-      <dsp:txXfrm>
-        <a:off x="1484444" y="837843"/>
-        <a:ext cx="2402151" cy="1721467"/>
-      </dsp:txXfrm>
-    </dsp:sp>
-    <dsp:sp modelId="{C3F7168E-364C-483C-8ABD-B8621037A5BC}">
-      <dsp:nvSpPr>
-        <dsp:cNvPr id="0" name=""/>
-        <dsp:cNvSpPr/>
-      </dsp:nvSpPr>
-      <dsp:spPr>
-        <a:xfrm>
-          <a:off x="4384097" y="481316"/>
-          <a:ext cx="3397155" cy="2434521"/>
-        </a:xfrm>
-        <a:prstGeom prst="ellipse">
-          <a:avLst/>
-        </a:prstGeom>
-        <a:solidFill>
-          <a:schemeClr val="accent3">
-            <a:hueOff val="0"/>
-            <a:satOff val="0"/>
-            <a:lumOff val="0"/>
-            <a:alphaOff val="0"/>
-          </a:schemeClr>
-        </a:solidFill>
-        <a:ln w="38100" cap="flat" cmpd="sng" algn="ctr">
-          <a:solidFill>
-            <a:schemeClr val="lt1">
-              <a:hueOff val="0"/>
-              <a:satOff val="0"/>
-              <a:lumOff val="0"/>
-              <a:alphaOff val="0"/>
-            </a:schemeClr>
-          </a:solidFill>
-          <a:prstDash val="solid"/>
-        </a:ln>
-        <a:effectLst>
-          <a:outerShdw blurRad="40000" dist="20000" dir="5400000" rotWithShape="0">
-            <a:srgbClr val="000000">
-              <a:alpha val="38000"/>
-            </a:srgbClr>
-          </a:outerShdw>
-        </a:effectLst>
-      </dsp:spPr>
-      <dsp:style>
-        <a:lnRef idx="3">
-          <a:scrgbClr r="0" g="0" b="0"/>
-        </a:lnRef>
-        <a:fillRef idx="1">
-          <a:scrgbClr r="0" g="0" b="0"/>
-        </a:fillRef>
-        <a:effectRef idx="1">
-          <a:scrgbClr r="0" g="0" b="0"/>
-        </a:effectRef>
-        <a:fontRef idx="minor">
-          <a:schemeClr val="lt1"/>
-        </a:fontRef>
-      </dsp:style>
-      <dsp:txBody>
-        <a:bodyPr spcFirstLastPara="0" vert="horz" wrap="square" lIns="0" tIns="0" rIns="0" bIns="0" numCol="1" spcCol="1270" anchor="ctr" anchorCtr="0">
-          <a:noAutofit/>
-        </a:bodyPr>
-        <a:lstStyle/>
-        <a:p>
-          <a:pPr marL="0" lvl="0" indent="0" algn="ctr" defTabSz="1244600">
-            <a:lnSpc>
-              <a:spcPct val="90000"/>
-            </a:lnSpc>
-            <a:spcBef>
-              <a:spcPct val="0"/>
-            </a:spcBef>
-            <a:spcAft>
-              <a:spcPct val="35000"/>
-            </a:spcAft>
-            <a:buNone/>
-          </a:pPr>
-          <a:r>
-            <a:rPr lang="en-US" sz="2800" kern="1200" dirty="0">
-              <a:latin typeface="Cambria" panose="02040503050406030204" pitchFamily="18" charset="0"/>
-              <a:ea typeface="Cambria" panose="02040503050406030204" pitchFamily="18" charset="0"/>
-            </a:rPr>
-            <a:t>Maintenance</a:t>
-          </a:r>
-          <a:endParaRPr lang="en-IN" sz="2800" kern="1200" dirty="0">
-            <a:latin typeface="Cambria" panose="02040503050406030204" pitchFamily="18" charset="0"/>
-            <a:ea typeface="Cambria" panose="02040503050406030204" pitchFamily="18" charset="0"/>
-          </a:endParaRPr>
-        </a:p>
-      </dsp:txBody>
-      <dsp:txXfrm>
-        <a:off x="4881599" y="837843"/>
-        <a:ext cx="2402151" cy="1721467"/>
-      </dsp:txXfrm>
-    </dsp:sp>
-    <dsp:sp modelId="{33B35B95-EC65-4B24-8FED-43A73437C8DC}">
-      <dsp:nvSpPr>
-        <dsp:cNvPr id="0" name=""/>
-        <dsp:cNvSpPr/>
-      </dsp:nvSpPr>
-      <dsp:spPr>
-        <a:xfrm>
-          <a:off x="7781252" y="481316"/>
-          <a:ext cx="3397155" cy="2434521"/>
-        </a:xfrm>
-        <a:prstGeom prst="ellipse">
-          <a:avLst/>
-        </a:prstGeom>
-        <a:solidFill>
-          <a:schemeClr val="accent4">
-            <a:hueOff val="0"/>
-            <a:satOff val="0"/>
-            <a:lumOff val="0"/>
-            <a:alphaOff val="0"/>
-          </a:schemeClr>
-        </a:solidFill>
-        <a:ln w="38100" cap="flat" cmpd="sng" algn="ctr">
-          <a:solidFill>
-            <a:schemeClr val="lt1">
-              <a:hueOff val="0"/>
-              <a:satOff val="0"/>
-              <a:lumOff val="0"/>
-              <a:alphaOff val="0"/>
-            </a:schemeClr>
-          </a:solidFill>
-          <a:prstDash val="solid"/>
-        </a:ln>
-        <a:effectLst>
-          <a:outerShdw blurRad="40000" dist="20000" dir="5400000" rotWithShape="0">
-            <a:srgbClr val="000000">
-              <a:alpha val="38000"/>
-            </a:srgbClr>
-          </a:outerShdw>
-        </a:effectLst>
-      </dsp:spPr>
-      <dsp:style>
-        <a:lnRef idx="3">
-          <a:scrgbClr r="0" g="0" b="0"/>
-        </a:lnRef>
-        <a:fillRef idx="1">
-          <a:scrgbClr r="0" g="0" b="0"/>
-        </a:fillRef>
-        <a:effectRef idx="1">
-          <a:scrgbClr r="0" g="0" b="0"/>
-        </a:effectRef>
-        <a:fontRef idx="minor">
-          <a:schemeClr val="lt1"/>
-        </a:fontRef>
-      </dsp:style>
-      <dsp:txBody>
-        <a:bodyPr spcFirstLastPara="0" vert="horz" wrap="square" lIns="0" tIns="0" rIns="0" bIns="0" numCol="1" spcCol="1270" anchor="ctr" anchorCtr="0">
-          <a:noAutofit/>
-        </a:bodyPr>
-        <a:lstStyle/>
-        <a:p>
-          <a:pPr marL="0" lvl="0" indent="0" algn="ctr" defTabSz="1244600">
-            <a:lnSpc>
-              <a:spcPct val="90000"/>
-            </a:lnSpc>
-            <a:spcBef>
-              <a:spcPct val="0"/>
-            </a:spcBef>
-            <a:spcAft>
-              <a:spcPct val="35000"/>
-            </a:spcAft>
-            <a:buNone/>
-          </a:pPr>
-          <a:r>
-            <a:rPr lang="en-US" sz="2800" kern="1200" dirty="0">
-              <a:latin typeface="Cambria" panose="02040503050406030204" pitchFamily="18" charset="0"/>
-              <a:ea typeface="Cambria" panose="02040503050406030204" pitchFamily="18" charset="0"/>
-            </a:rPr>
-            <a:t>Programming</a:t>
-          </a:r>
-          <a:endParaRPr lang="en-IN" sz="2800" kern="1200" dirty="0">
-            <a:latin typeface="Cambria" panose="02040503050406030204" pitchFamily="18" charset="0"/>
-            <a:ea typeface="Cambria" panose="02040503050406030204" pitchFamily="18" charset="0"/>
-          </a:endParaRPr>
-        </a:p>
-      </dsp:txBody>
-      <dsp:txXfrm>
-        <a:off x="8278754" y="837843"/>
-        <a:ext cx="2402151" cy="1721467"/>
-      </dsp:txXfrm>
-    </dsp:sp>
   </dsp:spTree>
 </dsp:drawing>
 </file>
@@ -6620,276 +6475,6 @@
       <dsp:cNvGrpSpPr/>
     </dsp:nvGrpSpPr>
     <dsp:grpSpPr/>
-    <dsp:sp modelId="{54B8B32C-1085-4036-A9AD-B6F5A8C3C6F8}">
-      <dsp:nvSpPr>
-        <dsp:cNvPr id="0" name=""/>
-        <dsp:cNvSpPr/>
-      </dsp:nvSpPr>
-      <dsp:spPr>
-        <a:xfrm>
-          <a:off x="986942" y="481316"/>
-          <a:ext cx="3397155" cy="2434521"/>
-        </a:xfrm>
-        <a:prstGeom prst="ellipse">
-          <a:avLst/>
-        </a:prstGeom>
-        <a:solidFill>
-          <a:schemeClr val="accent2">
-            <a:hueOff val="0"/>
-            <a:satOff val="0"/>
-            <a:lumOff val="0"/>
-            <a:alphaOff val="0"/>
-          </a:schemeClr>
-        </a:solidFill>
-        <a:ln w="38100" cap="flat" cmpd="sng" algn="ctr">
-          <a:solidFill>
-            <a:schemeClr val="lt1">
-              <a:hueOff val="0"/>
-              <a:satOff val="0"/>
-              <a:lumOff val="0"/>
-              <a:alphaOff val="0"/>
-            </a:schemeClr>
-          </a:solidFill>
-          <a:prstDash val="solid"/>
-        </a:ln>
-        <a:effectLst>
-          <a:outerShdw blurRad="40000" dist="20000" dir="5400000" rotWithShape="0">
-            <a:srgbClr val="000000">
-              <a:alpha val="38000"/>
-            </a:srgbClr>
-          </a:outerShdw>
-        </a:effectLst>
-      </dsp:spPr>
-      <dsp:style>
-        <a:lnRef idx="3">
-          <a:scrgbClr r="0" g="0" b="0"/>
-        </a:lnRef>
-        <a:fillRef idx="1">
-          <a:scrgbClr r="0" g="0" b="0"/>
-        </a:fillRef>
-        <a:effectRef idx="1">
-          <a:scrgbClr r="0" g="0" b="0"/>
-        </a:effectRef>
-        <a:fontRef idx="minor">
-          <a:schemeClr val="lt1"/>
-        </a:fontRef>
-      </dsp:style>
-      <dsp:txBody>
-        <a:bodyPr spcFirstLastPara="0" vert="horz" wrap="square" lIns="0" tIns="0" rIns="0" bIns="0" numCol="1" spcCol="1270" anchor="ctr" anchorCtr="0">
-          <a:noAutofit/>
-        </a:bodyPr>
-        <a:lstStyle/>
-        <a:p>
-          <a:pPr marL="0" lvl="0" indent="0" algn="ctr" defTabSz="1244600">
-            <a:lnSpc>
-              <a:spcPct val="90000"/>
-            </a:lnSpc>
-            <a:spcBef>
-              <a:spcPct val="0"/>
-            </a:spcBef>
-            <a:spcAft>
-              <a:spcPct val="35000"/>
-            </a:spcAft>
-            <a:buNone/>
-          </a:pPr>
-          <a:r>
-            <a:rPr lang="en-US" sz="2800" kern="1200" dirty="0">
-              <a:latin typeface="Cambria" panose="02040503050406030204" pitchFamily="18" charset="0"/>
-              <a:ea typeface="Cambria" panose="02040503050406030204" pitchFamily="18" charset="0"/>
-            </a:rPr>
-            <a:t>Coding</a:t>
-          </a:r>
-          <a:endParaRPr lang="en-IN" sz="2800" kern="1200" dirty="0">
-            <a:latin typeface="Cambria" panose="02040503050406030204" pitchFamily="18" charset="0"/>
-            <a:ea typeface="Cambria" panose="02040503050406030204" pitchFamily="18" charset="0"/>
-          </a:endParaRPr>
-        </a:p>
-      </dsp:txBody>
-      <dsp:txXfrm>
-        <a:off x="1484444" y="837843"/>
-        <a:ext cx="2402151" cy="1721467"/>
-      </dsp:txXfrm>
-    </dsp:sp>
-    <dsp:sp modelId="{C3F7168E-364C-483C-8ABD-B8621037A5BC}">
-      <dsp:nvSpPr>
-        <dsp:cNvPr id="0" name=""/>
-        <dsp:cNvSpPr/>
-      </dsp:nvSpPr>
-      <dsp:spPr>
-        <a:xfrm>
-          <a:off x="4384097" y="481316"/>
-          <a:ext cx="3397155" cy="2434521"/>
-        </a:xfrm>
-        <a:prstGeom prst="ellipse">
-          <a:avLst/>
-        </a:prstGeom>
-        <a:solidFill>
-          <a:schemeClr val="accent3">
-            <a:hueOff val="0"/>
-            <a:satOff val="0"/>
-            <a:lumOff val="0"/>
-            <a:alphaOff val="0"/>
-          </a:schemeClr>
-        </a:solidFill>
-        <a:ln w="38100" cap="flat" cmpd="sng" algn="ctr">
-          <a:solidFill>
-            <a:schemeClr val="lt1">
-              <a:hueOff val="0"/>
-              <a:satOff val="0"/>
-              <a:lumOff val="0"/>
-              <a:alphaOff val="0"/>
-            </a:schemeClr>
-          </a:solidFill>
-          <a:prstDash val="solid"/>
-        </a:ln>
-        <a:effectLst>
-          <a:outerShdw blurRad="40000" dist="20000" dir="5400000" rotWithShape="0">
-            <a:srgbClr val="000000">
-              <a:alpha val="38000"/>
-            </a:srgbClr>
-          </a:outerShdw>
-        </a:effectLst>
-      </dsp:spPr>
-      <dsp:style>
-        <a:lnRef idx="3">
-          <a:scrgbClr r="0" g="0" b="0"/>
-        </a:lnRef>
-        <a:fillRef idx="1">
-          <a:scrgbClr r="0" g="0" b="0"/>
-        </a:fillRef>
-        <a:effectRef idx="1">
-          <a:scrgbClr r="0" g="0" b="0"/>
-        </a:effectRef>
-        <a:fontRef idx="minor">
-          <a:schemeClr val="lt1"/>
-        </a:fontRef>
-      </dsp:style>
-      <dsp:txBody>
-        <a:bodyPr spcFirstLastPara="0" vert="horz" wrap="square" lIns="0" tIns="0" rIns="0" bIns="0" numCol="1" spcCol="1270" anchor="ctr" anchorCtr="0">
-          <a:noAutofit/>
-        </a:bodyPr>
-        <a:lstStyle/>
-        <a:p>
-          <a:pPr marL="0" lvl="0" indent="0" algn="ctr" defTabSz="1244600">
-            <a:lnSpc>
-              <a:spcPct val="90000"/>
-            </a:lnSpc>
-            <a:spcBef>
-              <a:spcPct val="0"/>
-            </a:spcBef>
-            <a:spcAft>
-              <a:spcPct val="35000"/>
-            </a:spcAft>
-            <a:buNone/>
-          </a:pPr>
-          <a:r>
-            <a:rPr lang="en-US" sz="2800" kern="1200" dirty="0">
-              <a:latin typeface="Cambria" panose="02040503050406030204" pitchFamily="18" charset="0"/>
-              <a:ea typeface="Cambria" panose="02040503050406030204" pitchFamily="18" charset="0"/>
-            </a:rPr>
-            <a:t>Testing</a:t>
-          </a:r>
-          <a:endParaRPr lang="en-IN" sz="2800" kern="1200" dirty="0">
-            <a:latin typeface="Cambria" panose="02040503050406030204" pitchFamily="18" charset="0"/>
-            <a:ea typeface="Cambria" panose="02040503050406030204" pitchFamily="18" charset="0"/>
-          </a:endParaRPr>
-        </a:p>
-      </dsp:txBody>
-      <dsp:txXfrm>
-        <a:off x="4881599" y="837843"/>
-        <a:ext cx="2402151" cy="1721467"/>
-      </dsp:txXfrm>
-    </dsp:sp>
-    <dsp:sp modelId="{33B35B95-EC65-4B24-8FED-43A73437C8DC}">
-      <dsp:nvSpPr>
-        <dsp:cNvPr id="0" name=""/>
-        <dsp:cNvSpPr/>
-      </dsp:nvSpPr>
-      <dsp:spPr>
-        <a:xfrm>
-          <a:off x="7781252" y="481316"/>
-          <a:ext cx="3397155" cy="2434521"/>
-        </a:xfrm>
-        <a:prstGeom prst="ellipse">
-          <a:avLst/>
-        </a:prstGeom>
-        <a:solidFill>
-          <a:schemeClr val="accent4">
-            <a:hueOff val="0"/>
-            <a:satOff val="0"/>
-            <a:lumOff val="0"/>
-            <a:alphaOff val="0"/>
-          </a:schemeClr>
-        </a:solidFill>
-        <a:ln w="38100" cap="flat" cmpd="sng" algn="ctr">
-          <a:solidFill>
-            <a:schemeClr val="lt1">
-              <a:hueOff val="0"/>
-              <a:satOff val="0"/>
-              <a:lumOff val="0"/>
-              <a:alphaOff val="0"/>
-            </a:schemeClr>
-          </a:solidFill>
-          <a:prstDash val="solid"/>
-        </a:ln>
-        <a:effectLst>
-          <a:outerShdw blurRad="40000" dist="20000" dir="5400000" rotWithShape="0">
-            <a:srgbClr val="000000">
-              <a:alpha val="38000"/>
-            </a:srgbClr>
-          </a:outerShdw>
-        </a:effectLst>
-      </dsp:spPr>
-      <dsp:style>
-        <a:lnRef idx="3">
-          <a:scrgbClr r="0" g="0" b="0"/>
-        </a:lnRef>
-        <a:fillRef idx="1">
-          <a:scrgbClr r="0" g="0" b="0"/>
-        </a:fillRef>
-        <a:effectRef idx="1">
-          <a:scrgbClr r="0" g="0" b="0"/>
-        </a:effectRef>
-        <a:fontRef idx="minor">
-          <a:schemeClr val="lt1"/>
-        </a:fontRef>
-      </dsp:style>
-      <dsp:txBody>
-        <a:bodyPr spcFirstLastPara="0" vert="horz" wrap="square" lIns="0" tIns="0" rIns="0" bIns="0" numCol="1" spcCol="1270" anchor="ctr" anchorCtr="0">
-          <a:noAutofit/>
-        </a:bodyPr>
-        <a:lstStyle/>
-        <a:p>
-          <a:pPr marL="0" lvl="0" indent="0" algn="ctr" defTabSz="1244600">
-            <a:lnSpc>
-              <a:spcPct val="90000"/>
-            </a:lnSpc>
-            <a:spcBef>
-              <a:spcPct val="0"/>
-            </a:spcBef>
-            <a:spcAft>
-              <a:spcPct val="35000"/>
-            </a:spcAft>
-            <a:buNone/>
-          </a:pPr>
-          <a:r>
-            <a:rPr lang="en-US" sz="2800" kern="1200" dirty="0">
-              <a:latin typeface="Cambria" panose="02040503050406030204" pitchFamily="18" charset="0"/>
-              <a:ea typeface="Cambria" panose="02040503050406030204" pitchFamily="18" charset="0"/>
-            </a:rPr>
-            <a:t>Integration</a:t>
-          </a:r>
-          <a:endParaRPr lang="en-IN" sz="2800" kern="1200" dirty="0">
-            <a:latin typeface="Cambria" panose="02040503050406030204" pitchFamily="18" charset="0"/>
-            <a:ea typeface="Cambria" panose="02040503050406030204" pitchFamily="18" charset="0"/>
-          </a:endParaRPr>
-        </a:p>
-      </dsp:txBody>
-      <dsp:txXfrm>
-        <a:off x="8278754" y="837843"/>
-        <a:ext cx="2402151" cy="1721467"/>
-      </dsp:txXfrm>
-    </dsp:sp>
   </dsp:spTree>
 </dsp:drawing>
 </file>
@@ -16292,6 +15877,11 @@
         </p:txBody>
       </p:sp>
     </p:spTree>
+    <p:extLst>
+      <p:ext uri="{BB962C8B-B14F-4D97-AF65-F5344CB8AC3E}">
+        <p14:creationId xmlns:p14="http://schemas.microsoft.com/office/powerpoint/2010/main" val="3507612587"/>
+      </p:ext>
+    </p:extLst>
   </p:cSld>
   <p:clrMap bg1="lt1" tx1="dk1" bg2="dk2" tx2="lt2" accent1="accent1" accent2="accent2" accent3="accent3" accent4="accent4" accent5="accent5" accent6="accent6" hlink="hlink" folHlink="folHlink"/>
   <p:notesStyle>
@@ -16641,6 +16231,11 @@
         </p:spPr>
       </p:sp>
     </p:spTree>
+    <p:extLst>
+      <p:ext uri="{BB962C8B-B14F-4D97-AF65-F5344CB8AC3E}">
+        <p14:creationId xmlns:p14="http://schemas.microsoft.com/office/powerpoint/2010/main" val="2014671335"/>
+      </p:ext>
+    </p:extLst>
   </p:cSld>
   <p:clrMapOvr>
     <a:masterClrMapping/>
@@ -17144,6 +16739,11 @@
         </p:spPr>
       </p:sp>
     </p:spTree>
+    <p:extLst>
+      <p:ext uri="{BB962C8B-B14F-4D97-AF65-F5344CB8AC3E}">
+        <p14:creationId xmlns:p14="http://schemas.microsoft.com/office/powerpoint/2010/main" val="99953176"/>
+      </p:ext>
+    </p:extLst>
   </p:cSld>
   <p:clrMapOvr>
     <a:masterClrMapping/>
@@ -17266,6 +16866,11 @@
         </p:spPr>
       </p:sp>
     </p:spTree>
+    <p:extLst>
+      <p:ext uri="{BB962C8B-B14F-4D97-AF65-F5344CB8AC3E}">
+        <p14:creationId xmlns:p14="http://schemas.microsoft.com/office/powerpoint/2010/main" val="4272037688"/>
+      </p:ext>
+    </p:extLst>
   </p:cSld>
   <p:clrMapOvr>
     <a:masterClrMapping/>
@@ -17388,6 +16993,11 @@
         </p:spPr>
       </p:sp>
     </p:spTree>
+    <p:extLst>
+      <p:ext uri="{BB962C8B-B14F-4D97-AF65-F5344CB8AC3E}">
+        <p14:creationId xmlns:p14="http://schemas.microsoft.com/office/powerpoint/2010/main" val="2317297337"/>
+      </p:ext>
+    </p:extLst>
   </p:cSld>
   <p:clrMapOvr>
     <a:masterClrMapping/>
@@ -26018,7 +25628,7 @@
           <p:cNvPr id="2" name="Title 1">
             <a:extLst>
               <a:ext uri="{FF2B5EF4-FFF2-40B4-BE49-F238E27FC236}">
-                <a16:creationId xmlns:a16="http://schemas.microsoft.com/office/drawing/2014/main" id="{C0E9CC76-7D72-4969-BD00-A0B24BDA5F33}"/>
+                <a16:creationId xmlns:a16="http://schemas.microsoft.com/office/drawing/2014/main" xmlns="" id="{C0E9CC76-7D72-4969-BD00-A0B24BDA5F33}"/>
               </a:ext>
             </a:extLst>
           </p:cNvPr>
@@ -26055,7 +25665,7 @@
           <p:cNvPr id="5" name="Google Shape;272;p8">
             <a:extLst>
               <a:ext uri="{FF2B5EF4-FFF2-40B4-BE49-F238E27FC236}">
-                <a16:creationId xmlns:a16="http://schemas.microsoft.com/office/drawing/2014/main" id="{519DCF76-2ABA-46FE-AC2D-ED1F517ACD11}"/>
+                <a16:creationId xmlns:a16="http://schemas.microsoft.com/office/drawing/2014/main" xmlns="" id="{519DCF76-2ABA-46FE-AC2D-ED1F517ACD11}"/>
               </a:ext>
             </a:extLst>
           </p:cNvPr>
@@ -26088,7 +25698,7 @@
           <p:cNvPr id="7" name="Text Placeholder 2">
             <a:extLst>
               <a:ext uri="{FF2B5EF4-FFF2-40B4-BE49-F238E27FC236}">
-                <a16:creationId xmlns:a16="http://schemas.microsoft.com/office/drawing/2014/main" id="{9D0794A8-F0A1-4F54-A000-5E2D5472C0A0}"/>
+                <a16:creationId xmlns:a16="http://schemas.microsoft.com/office/drawing/2014/main" xmlns="" id="{9D0794A8-F0A1-4F54-A000-5E2D5472C0A0}"/>
               </a:ext>
             </a:extLst>
           </p:cNvPr>
@@ -26828,7 +26438,7 @@
           <p:cNvPr id="2" name="Title 1">
             <a:extLst>
               <a:ext uri="{FF2B5EF4-FFF2-40B4-BE49-F238E27FC236}">
-                <a16:creationId xmlns:a16="http://schemas.microsoft.com/office/drawing/2014/main" id="{C0E9CC76-7D72-4969-BD00-A0B24BDA5F33}"/>
+                <a16:creationId xmlns:a16="http://schemas.microsoft.com/office/drawing/2014/main" xmlns="" id="{C0E9CC76-7D72-4969-BD00-A0B24BDA5F33}"/>
               </a:ext>
             </a:extLst>
           </p:cNvPr>
@@ -26865,7 +26475,7 @@
           <p:cNvPr id="5" name="Google Shape;272;p8">
             <a:extLst>
               <a:ext uri="{FF2B5EF4-FFF2-40B4-BE49-F238E27FC236}">
-                <a16:creationId xmlns:a16="http://schemas.microsoft.com/office/drawing/2014/main" id="{519DCF76-2ABA-46FE-AC2D-ED1F517ACD11}"/>
+                <a16:creationId xmlns:a16="http://schemas.microsoft.com/office/drawing/2014/main" xmlns="" id="{519DCF76-2ABA-46FE-AC2D-ED1F517ACD11}"/>
               </a:ext>
             </a:extLst>
           </p:cNvPr>
@@ -26898,7 +26508,7 @@
           <p:cNvPr id="6146" name="Picture 2" descr="incremental model">
             <a:extLst>
               <a:ext uri="{FF2B5EF4-FFF2-40B4-BE49-F238E27FC236}">
-                <a16:creationId xmlns:a16="http://schemas.microsoft.com/office/drawing/2014/main" id="{EE1D0A34-2737-4780-81C5-97EA47BF3FE0}"/>
+                <a16:creationId xmlns:a16="http://schemas.microsoft.com/office/drawing/2014/main" xmlns="" id="{EE1D0A34-2737-4780-81C5-97EA47BF3FE0}"/>
               </a:ext>
             </a:extLst>
           </p:cNvPr>
@@ -26980,7 +26590,7 @@
           <p:cNvPr id="2" name="Title 1">
             <a:extLst>
               <a:ext uri="{FF2B5EF4-FFF2-40B4-BE49-F238E27FC236}">
-                <a16:creationId xmlns:a16="http://schemas.microsoft.com/office/drawing/2014/main" id="{C0E9CC76-7D72-4969-BD00-A0B24BDA5F33}"/>
+                <a16:creationId xmlns:a16="http://schemas.microsoft.com/office/drawing/2014/main" xmlns="" id="{C0E9CC76-7D72-4969-BD00-A0B24BDA5F33}"/>
               </a:ext>
             </a:extLst>
           </p:cNvPr>
@@ -26991,7 +26601,12 @@
             <p:ph type="title"/>
           </p:nvPr>
         </p:nvSpPr>
-        <p:spPr/>
+        <p:spPr>
+          <a:xfrm>
+            <a:off x="-10160" y="184158"/>
+            <a:ext cx="16276320" cy="687244"/>
+          </a:xfrm>
+        </p:spPr>
         <p:txBody>
           <a:bodyPr>
             <a:normAutofit/>
@@ -27017,7 +26632,7 @@
           <p:cNvPr id="5" name="Google Shape;272;p8">
             <a:extLst>
               <a:ext uri="{FF2B5EF4-FFF2-40B4-BE49-F238E27FC236}">
-                <a16:creationId xmlns:a16="http://schemas.microsoft.com/office/drawing/2014/main" id="{519DCF76-2ABA-46FE-AC2D-ED1F517ACD11}"/>
+                <a16:creationId xmlns:a16="http://schemas.microsoft.com/office/drawing/2014/main" xmlns="" id="{519DCF76-2ABA-46FE-AC2D-ED1F517ACD11}"/>
               </a:ext>
             </a:extLst>
           </p:cNvPr>
@@ -27050,7 +26665,7 @@
           <p:cNvPr id="7" name="Text Placeholder 2">
             <a:extLst>
               <a:ext uri="{FF2B5EF4-FFF2-40B4-BE49-F238E27FC236}">
-                <a16:creationId xmlns:a16="http://schemas.microsoft.com/office/drawing/2014/main" id="{9D0794A8-F0A1-4F54-A000-5E2D5472C0A0}"/>
+                <a16:creationId xmlns:a16="http://schemas.microsoft.com/office/drawing/2014/main" xmlns="" id="{9D0794A8-F0A1-4F54-A000-5E2D5472C0A0}"/>
               </a:ext>
             </a:extLst>
           </p:cNvPr>
@@ -27840,7 +27455,7 @@
           <p:cNvPr id="2" name="Title 1">
             <a:extLst>
               <a:ext uri="{FF2B5EF4-FFF2-40B4-BE49-F238E27FC236}">
-                <a16:creationId xmlns:a16="http://schemas.microsoft.com/office/drawing/2014/main" id="{C0E9CC76-7D72-4969-BD00-A0B24BDA5F33}"/>
+                <a16:creationId xmlns:a16="http://schemas.microsoft.com/office/drawing/2014/main" xmlns="" id="{C0E9CC76-7D72-4969-BD00-A0B24BDA5F33}"/>
               </a:ext>
             </a:extLst>
           </p:cNvPr>
@@ -27877,7 +27492,7 @@
           <p:cNvPr id="5" name="Google Shape;272;p8">
             <a:extLst>
               <a:ext uri="{FF2B5EF4-FFF2-40B4-BE49-F238E27FC236}">
-                <a16:creationId xmlns:a16="http://schemas.microsoft.com/office/drawing/2014/main" id="{519DCF76-2ABA-46FE-AC2D-ED1F517ACD11}"/>
+                <a16:creationId xmlns:a16="http://schemas.microsoft.com/office/drawing/2014/main" xmlns="" id="{519DCF76-2ABA-46FE-AC2D-ED1F517ACD11}"/>
               </a:ext>
             </a:extLst>
           </p:cNvPr>
@@ -27910,7 +27525,7 @@
           <p:cNvPr id="4" name="Picture 3">
             <a:extLst>
               <a:ext uri="{FF2B5EF4-FFF2-40B4-BE49-F238E27FC236}">
-                <a16:creationId xmlns:a16="http://schemas.microsoft.com/office/drawing/2014/main" id="{F732E7CB-8FF8-4393-9AC9-0EEA3386FBC7}"/>
+                <a16:creationId xmlns:a16="http://schemas.microsoft.com/office/drawing/2014/main" xmlns="" id="{F732E7CB-8FF8-4393-9AC9-0EEA3386FBC7}"/>
               </a:ext>
             </a:extLst>
           </p:cNvPr>
@@ -27978,7 +27593,7 @@
           <p:cNvPr id="2" name="Title 1">
             <a:extLst>
               <a:ext uri="{FF2B5EF4-FFF2-40B4-BE49-F238E27FC236}">
-                <a16:creationId xmlns:a16="http://schemas.microsoft.com/office/drawing/2014/main" id="{C0E9CC76-7D72-4969-BD00-A0B24BDA5F33}"/>
+                <a16:creationId xmlns:a16="http://schemas.microsoft.com/office/drawing/2014/main" xmlns="" id="{C0E9CC76-7D72-4969-BD00-A0B24BDA5F33}"/>
               </a:ext>
             </a:extLst>
           </p:cNvPr>
@@ -28015,7 +27630,7 @@
           <p:cNvPr id="5" name="Google Shape;272;p8">
             <a:extLst>
               <a:ext uri="{FF2B5EF4-FFF2-40B4-BE49-F238E27FC236}">
-                <a16:creationId xmlns:a16="http://schemas.microsoft.com/office/drawing/2014/main" id="{519DCF76-2ABA-46FE-AC2D-ED1F517ACD11}"/>
+                <a16:creationId xmlns:a16="http://schemas.microsoft.com/office/drawing/2014/main" xmlns="" id="{519DCF76-2ABA-46FE-AC2D-ED1F517ACD11}"/>
               </a:ext>
             </a:extLst>
           </p:cNvPr>
@@ -28048,7 +27663,7 @@
           <p:cNvPr id="7" name="Text Placeholder 2">
             <a:extLst>
               <a:ext uri="{FF2B5EF4-FFF2-40B4-BE49-F238E27FC236}">
-                <a16:creationId xmlns:a16="http://schemas.microsoft.com/office/drawing/2014/main" id="{9D0794A8-F0A1-4F54-A000-5E2D5472C0A0}"/>
+                <a16:creationId xmlns:a16="http://schemas.microsoft.com/office/drawing/2014/main" xmlns="" id="{9D0794A8-F0A1-4F54-A000-5E2D5472C0A0}"/>
               </a:ext>
             </a:extLst>
           </p:cNvPr>
@@ -28707,7 +28322,7 @@
           <p:cNvPr id="2" name="Title 1">
             <a:extLst>
               <a:ext uri="{FF2B5EF4-FFF2-40B4-BE49-F238E27FC236}">
-                <a16:creationId xmlns:a16="http://schemas.microsoft.com/office/drawing/2014/main" id="{C0E9CC76-7D72-4969-BD00-A0B24BDA5F33}"/>
+                <a16:creationId xmlns:a16="http://schemas.microsoft.com/office/drawing/2014/main" xmlns="" id="{C0E9CC76-7D72-4969-BD00-A0B24BDA5F33}"/>
               </a:ext>
             </a:extLst>
           </p:cNvPr>
@@ -28744,7 +28359,7 @@
           <p:cNvPr id="5" name="Google Shape;272;p8">
             <a:extLst>
               <a:ext uri="{FF2B5EF4-FFF2-40B4-BE49-F238E27FC236}">
-                <a16:creationId xmlns:a16="http://schemas.microsoft.com/office/drawing/2014/main" id="{519DCF76-2ABA-46FE-AC2D-ED1F517ACD11}"/>
+                <a16:creationId xmlns:a16="http://schemas.microsoft.com/office/drawing/2014/main" xmlns="" id="{519DCF76-2ABA-46FE-AC2D-ED1F517ACD11}"/>
               </a:ext>
             </a:extLst>
           </p:cNvPr>
@@ -28777,7 +28392,7 @@
           <p:cNvPr id="5122" name="Picture 2" descr="agile SDLC model scheme">
             <a:extLst>
               <a:ext uri="{FF2B5EF4-FFF2-40B4-BE49-F238E27FC236}">
-                <a16:creationId xmlns:a16="http://schemas.microsoft.com/office/drawing/2014/main" id="{10FF1145-FD25-4F8E-BA08-7197415AE666}"/>
+                <a16:creationId xmlns:a16="http://schemas.microsoft.com/office/drawing/2014/main" xmlns="" id="{10FF1145-FD25-4F8E-BA08-7197415AE666}"/>
               </a:ext>
             </a:extLst>
           </p:cNvPr>
@@ -28861,7 +28476,7 @@
           <p:cNvPr id="2" name="Title 1">
             <a:extLst>
               <a:ext uri="{FF2B5EF4-FFF2-40B4-BE49-F238E27FC236}">
-                <a16:creationId xmlns:a16="http://schemas.microsoft.com/office/drawing/2014/main" id="{C0E9CC76-7D72-4969-BD00-A0B24BDA5F33}"/>
+                <a16:creationId xmlns:a16="http://schemas.microsoft.com/office/drawing/2014/main" xmlns="" id="{C0E9CC76-7D72-4969-BD00-A0B24BDA5F33}"/>
               </a:ext>
             </a:extLst>
           </p:cNvPr>
@@ -28898,7 +28513,7 @@
           <p:cNvPr id="5" name="Google Shape;272;p8">
             <a:extLst>
               <a:ext uri="{FF2B5EF4-FFF2-40B4-BE49-F238E27FC236}">
-                <a16:creationId xmlns:a16="http://schemas.microsoft.com/office/drawing/2014/main" id="{519DCF76-2ABA-46FE-AC2D-ED1F517ACD11}"/>
+                <a16:creationId xmlns:a16="http://schemas.microsoft.com/office/drawing/2014/main" xmlns="" id="{519DCF76-2ABA-46FE-AC2D-ED1F517ACD11}"/>
               </a:ext>
             </a:extLst>
           </p:cNvPr>
@@ -28931,7 +28546,7 @@
           <p:cNvPr id="7" name="Text Placeholder 2">
             <a:extLst>
               <a:ext uri="{FF2B5EF4-FFF2-40B4-BE49-F238E27FC236}">
-                <a16:creationId xmlns:a16="http://schemas.microsoft.com/office/drawing/2014/main" id="{9D0794A8-F0A1-4F54-A000-5E2D5472C0A0}"/>
+                <a16:creationId xmlns:a16="http://schemas.microsoft.com/office/drawing/2014/main" xmlns="" id="{9D0794A8-F0A1-4F54-A000-5E2D5472C0A0}"/>
               </a:ext>
             </a:extLst>
           </p:cNvPr>
@@ -29509,7 +29124,7 @@
           <p:cNvPr id="2" name="Title 1">
             <a:extLst>
               <a:ext uri="{FF2B5EF4-FFF2-40B4-BE49-F238E27FC236}">
-                <a16:creationId xmlns:a16="http://schemas.microsoft.com/office/drawing/2014/main" id="{C0E9CC76-7D72-4969-BD00-A0B24BDA5F33}"/>
+                <a16:creationId xmlns:a16="http://schemas.microsoft.com/office/drawing/2014/main" xmlns="" id="{C0E9CC76-7D72-4969-BD00-A0B24BDA5F33}"/>
               </a:ext>
             </a:extLst>
           </p:cNvPr>
@@ -29546,7 +29161,7 @@
           <p:cNvPr id="5" name="Google Shape;272;p8">
             <a:extLst>
               <a:ext uri="{FF2B5EF4-FFF2-40B4-BE49-F238E27FC236}">
-                <a16:creationId xmlns:a16="http://schemas.microsoft.com/office/drawing/2014/main" id="{519DCF76-2ABA-46FE-AC2D-ED1F517ACD11}"/>
+                <a16:creationId xmlns:a16="http://schemas.microsoft.com/office/drawing/2014/main" xmlns="" id="{519DCF76-2ABA-46FE-AC2D-ED1F517ACD11}"/>
               </a:ext>
             </a:extLst>
           </p:cNvPr>
@@ -29579,7 +29194,7 @@
           <p:cNvPr id="3074" name="Picture 2" descr="Iterative SDLC Model Scheme">
             <a:extLst>
               <a:ext uri="{FF2B5EF4-FFF2-40B4-BE49-F238E27FC236}">
-                <a16:creationId xmlns:a16="http://schemas.microsoft.com/office/drawing/2014/main" id="{D23B1CDA-E569-4086-B851-A036BB4EE7DB}"/>
+                <a16:creationId xmlns:a16="http://schemas.microsoft.com/office/drawing/2014/main" xmlns="" id="{D23B1CDA-E569-4086-B851-A036BB4EE7DB}"/>
               </a:ext>
             </a:extLst>
           </p:cNvPr>
@@ -29663,7 +29278,7 @@
           <p:cNvPr id="2" name="Title 1">
             <a:extLst>
               <a:ext uri="{FF2B5EF4-FFF2-40B4-BE49-F238E27FC236}">
-                <a16:creationId xmlns:a16="http://schemas.microsoft.com/office/drawing/2014/main" id="{C0E9CC76-7D72-4969-BD00-A0B24BDA5F33}"/>
+                <a16:creationId xmlns:a16="http://schemas.microsoft.com/office/drawing/2014/main" xmlns="" id="{C0E9CC76-7D72-4969-BD00-A0B24BDA5F33}"/>
               </a:ext>
             </a:extLst>
           </p:cNvPr>
@@ -29700,7 +29315,7 @@
           <p:cNvPr id="5" name="Google Shape;272;p8">
             <a:extLst>
               <a:ext uri="{FF2B5EF4-FFF2-40B4-BE49-F238E27FC236}">
-                <a16:creationId xmlns:a16="http://schemas.microsoft.com/office/drawing/2014/main" id="{519DCF76-2ABA-46FE-AC2D-ED1F517ACD11}"/>
+                <a16:creationId xmlns:a16="http://schemas.microsoft.com/office/drawing/2014/main" xmlns="" id="{519DCF76-2ABA-46FE-AC2D-ED1F517ACD11}"/>
               </a:ext>
             </a:extLst>
           </p:cNvPr>
@@ -29733,7 +29348,7 @@
           <p:cNvPr id="7" name="Text Placeholder 2">
             <a:extLst>
               <a:ext uri="{FF2B5EF4-FFF2-40B4-BE49-F238E27FC236}">
-                <a16:creationId xmlns:a16="http://schemas.microsoft.com/office/drawing/2014/main" id="{9D0794A8-F0A1-4F54-A000-5E2D5472C0A0}"/>
+                <a16:creationId xmlns:a16="http://schemas.microsoft.com/office/drawing/2014/main" xmlns="" id="{9D0794A8-F0A1-4F54-A000-5E2D5472C0A0}"/>
               </a:ext>
             </a:extLst>
           </p:cNvPr>
@@ -30392,7 +30007,7 @@
           <p:cNvPr id="2" name="Title 1">
             <a:extLst>
               <a:ext uri="{FF2B5EF4-FFF2-40B4-BE49-F238E27FC236}">
-                <a16:creationId xmlns:a16="http://schemas.microsoft.com/office/drawing/2014/main" id="{C0E9CC76-7D72-4969-BD00-A0B24BDA5F33}"/>
+                <a16:creationId xmlns:a16="http://schemas.microsoft.com/office/drawing/2014/main" xmlns="" id="{C0E9CC76-7D72-4969-BD00-A0B24BDA5F33}"/>
               </a:ext>
             </a:extLst>
           </p:cNvPr>
@@ -30429,7 +30044,7 @@
           <p:cNvPr id="5" name="Google Shape;272;p8">
             <a:extLst>
               <a:ext uri="{FF2B5EF4-FFF2-40B4-BE49-F238E27FC236}">
-                <a16:creationId xmlns:a16="http://schemas.microsoft.com/office/drawing/2014/main" id="{519DCF76-2ABA-46FE-AC2D-ED1F517ACD11}"/>
+                <a16:creationId xmlns:a16="http://schemas.microsoft.com/office/drawing/2014/main" xmlns="" id="{519DCF76-2ABA-46FE-AC2D-ED1F517ACD11}"/>
               </a:ext>
             </a:extLst>
           </p:cNvPr>
@@ -30462,7 +30077,7 @@
           <p:cNvPr id="4098" name="Picture 2" descr="Spiral SDLC Model scheme">
             <a:extLst>
               <a:ext uri="{FF2B5EF4-FFF2-40B4-BE49-F238E27FC236}">
-                <a16:creationId xmlns:a16="http://schemas.microsoft.com/office/drawing/2014/main" id="{D48651FE-5855-4750-BEFF-8331C6EB72DE}"/>
+                <a16:creationId xmlns:a16="http://schemas.microsoft.com/office/drawing/2014/main" xmlns="" id="{D48651FE-5855-4750-BEFF-8331C6EB72DE}"/>
               </a:ext>
             </a:extLst>
           </p:cNvPr>
@@ -30546,7 +30161,7 @@
           <p:cNvPr id="2" name="Title 1">
             <a:extLst>
               <a:ext uri="{FF2B5EF4-FFF2-40B4-BE49-F238E27FC236}">
-                <a16:creationId xmlns:a16="http://schemas.microsoft.com/office/drawing/2014/main" id="{98B95AF1-7DC4-4051-994C-B11997DEE003}"/>
+                <a16:creationId xmlns:a16="http://schemas.microsoft.com/office/drawing/2014/main" xmlns="" id="{98B95AF1-7DC4-4051-994C-B11997DEE003}"/>
               </a:ext>
             </a:extLst>
           </p:cNvPr>
@@ -30610,7 +30225,7 @@
           <p:cNvPr id="2" name="Title 1">
             <a:extLst>
               <a:ext uri="{FF2B5EF4-FFF2-40B4-BE49-F238E27FC236}">
-                <a16:creationId xmlns:a16="http://schemas.microsoft.com/office/drawing/2014/main" id="{98B95AF1-7DC4-4051-994C-B11997DEE003}"/>
+                <a16:creationId xmlns:a16="http://schemas.microsoft.com/office/drawing/2014/main" xmlns="" id="{98B95AF1-7DC4-4051-994C-B11997DEE003}"/>
               </a:ext>
             </a:extLst>
           </p:cNvPr>
@@ -30674,7 +30289,7 @@
           <p:cNvPr id="2" name="Title 1">
             <a:extLst>
               <a:ext uri="{FF2B5EF4-FFF2-40B4-BE49-F238E27FC236}">
-                <a16:creationId xmlns:a16="http://schemas.microsoft.com/office/drawing/2014/main" id="{C0E9CC76-7D72-4969-BD00-A0B24BDA5F33}"/>
+                <a16:creationId xmlns:a16="http://schemas.microsoft.com/office/drawing/2014/main" xmlns="" id="{C0E9CC76-7D72-4969-BD00-A0B24BDA5F33}"/>
               </a:ext>
             </a:extLst>
           </p:cNvPr>
@@ -30711,7 +30326,7 @@
           <p:cNvPr id="5" name="Google Shape;272;p8">
             <a:extLst>
               <a:ext uri="{FF2B5EF4-FFF2-40B4-BE49-F238E27FC236}">
-                <a16:creationId xmlns:a16="http://schemas.microsoft.com/office/drawing/2014/main" id="{519DCF76-2ABA-46FE-AC2D-ED1F517ACD11}"/>
+                <a16:creationId xmlns:a16="http://schemas.microsoft.com/office/drawing/2014/main" xmlns="" id="{519DCF76-2ABA-46FE-AC2D-ED1F517ACD11}"/>
               </a:ext>
             </a:extLst>
           </p:cNvPr>
@@ -30744,7 +30359,7 @@
           <p:cNvPr id="7" name="Text Placeholder 2">
             <a:extLst>
               <a:ext uri="{FF2B5EF4-FFF2-40B4-BE49-F238E27FC236}">
-                <a16:creationId xmlns:a16="http://schemas.microsoft.com/office/drawing/2014/main" id="{9D0794A8-F0A1-4F54-A000-5E2D5472C0A0}"/>
+                <a16:creationId xmlns:a16="http://schemas.microsoft.com/office/drawing/2014/main" xmlns="" id="{9D0794A8-F0A1-4F54-A000-5E2D5472C0A0}"/>
               </a:ext>
             </a:extLst>
           </p:cNvPr>
@@ -31168,7 +30783,7 @@
           <p:cNvPr id="2" name="Title 1">
             <a:extLst>
               <a:ext uri="{FF2B5EF4-FFF2-40B4-BE49-F238E27FC236}">
-                <a16:creationId xmlns:a16="http://schemas.microsoft.com/office/drawing/2014/main" id="{C0E9CC76-7D72-4969-BD00-A0B24BDA5F33}"/>
+                <a16:creationId xmlns:a16="http://schemas.microsoft.com/office/drawing/2014/main" xmlns="" id="{C0E9CC76-7D72-4969-BD00-A0B24BDA5F33}"/>
               </a:ext>
             </a:extLst>
           </p:cNvPr>
@@ -31205,7 +30820,7 @@
           <p:cNvPr id="5" name="Google Shape;272;p8">
             <a:extLst>
               <a:ext uri="{FF2B5EF4-FFF2-40B4-BE49-F238E27FC236}">
-                <a16:creationId xmlns:a16="http://schemas.microsoft.com/office/drawing/2014/main" id="{519DCF76-2ABA-46FE-AC2D-ED1F517ACD11}"/>
+                <a16:creationId xmlns:a16="http://schemas.microsoft.com/office/drawing/2014/main" xmlns="" id="{519DCF76-2ABA-46FE-AC2D-ED1F517ACD11}"/>
               </a:ext>
             </a:extLst>
           </p:cNvPr>
@@ -31238,7 +30853,7 @@
           <p:cNvPr id="7" name="Text Placeholder 2">
             <a:extLst>
               <a:ext uri="{FF2B5EF4-FFF2-40B4-BE49-F238E27FC236}">
-                <a16:creationId xmlns:a16="http://schemas.microsoft.com/office/drawing/2014/main" id="{9D0794A8-F0A1-4F54-A000-5E2D5472C0A0}"/>
+                <a16:creationId xmlns:a16="http://schemas.microsoft.com/office/drawing/2014/main" xmlns="" id="{9D0794A8-F0A1-4F54-A000-5E2D5472C0A0}"/>
               </a:ext>
             </a:extLst>
           </p:cNvPr>
@@ -31662,7 +31277,7 @@
           <p:cNvPr id="2" name="Title 1">
             <a:extLst>
               <a:ext uri="{FF2B5EF4-FFF2-40B4-BE49-F238E27FC236}">
-                <a16:creationId xmlns:a16="http://schemas.microsoft.com/office/drawing/2014/main" id="{98B95AF1-7DC4-4051-994C-B11997DEE003}"/>
+                <a16:creationId xmlns:a16="http://schemas.microsoft.com/office/drawing/2014/main" xmlns="" id="{98B95AF1-7DC4-4051-994C-B11997DEE003}"/>
               </a:ext>
             </a:extLst>
           </p:cNvPr>
@@ -31726,7 +31341,7 @@
           <p:cNvPr id="2" name="Title 1">
             <a:extLst>
               <a:ext uri="{FF2B5EF4-FFF2-40B4-BE49-F238E27FC236}">
-                <a16:creationId xmlns:a16="http://schemas.microsoft.com/office/drawing/2014/main" id="{C0E9CC76-7D72-4969-BD00-A0B24BDA5F33}"/>
+                <a16:creationId xmlns:a16="http://schemas.microsoft.com/office/drawing/2014/main" xmlns="" id="{C0E9CC76-7D72-4969-BD00-A0B24BDA5F33}"/>
               </a:ext>
             </a:extLst>
           </p:cNvPr>
@@ -31763,7 +31378,7 @@
           <p:cNvPr id="5" name="Google Shape;272;p8">
             <a:extLst>
               <a:ext uri="{FF2B5EF4-FFF2-40B4-BE49-F238E27FC236}">
-                <a16:creationId xmlns:a16="http://schemas.microsoft.com/office/drawing/2014/main" id="{519DCF76-2ABA-46FE-AC2D-ED1F517ACD11}"/>
+                <a16:creationId xmlns:a16="http://schemas.microsoft.com/office/drawing/2014/main" xmlns="" id="{519DCF76-2ABA-46FE-AC2D-ED1F517ACD11}"/>
               </a:ext>
             </a:extLst>
           </p:cNvPr>
@@ -31796,7 +31411,7 @@
           <p:cNvPr id="7" name="Text Placeholder 2">
             <a:extLst>
               <a:ext uri="{FF2B5EF4-FFF2-40B4-BE49-F238E27FC236}">
-                <a16:creationId xmlns:a16="http://schemas.microsoft.com/office/drawing/2014/main" id="{9D0794A8-F0A1-4F54-A000-5E2D5472C0A0}"/>
+                <a16:creationId xmlns:a16="http://schemas.microsoft.com/office/drawing/2014/main" xmlns="" id="{9D0794A8-F0A1-4F54-A000-5E2D5472C0A0}"/>
               </a:ext>
             </a:extLst>
           </p:cNvPr>
@@ -31916,6 +31531,13 @@
                 <a:ea typeface="Cambria" panose="02040503050406030204" pitchFamily="18" charset="0"/>
               </a:rPr>
               <a:t>Programming </a:t>
+            </a:r>
+            <a:r>
+              <a:rPr lang="en-US" sz="3000" dirty="0">
+                <a:latin typeface="Cambria" panose="02040503050406030204" pitchFamily="18" charset="0"/>
+                <a:ea typeface="Cambria" panose="02040503050406030204" pitchFamily="18" charset="0"/>
+              </a:rPr>
+              <a:t/>
             </a:r>
             <a:br>
               <a:rPr lang="en-US" sz="3000" dirty="0">
@@ -32249,7 +31871,7 @@
           <p:cNvPr id="2" name="Title 1">
             <a:extLst>
               <a:ext uri="{FF2B5EF4-FFF2-40B4-BE49-F238E27FC236}">
-                <a16:creationId xmlns:a16="http://schemas.microsoft.com/office/drawing/2014/main" id="{C0E9CC76-7D72-4969-BD00-A0B24BDA5F33}"/>
+                <a16:creationId xmlns:a16="http://schemas.microsoft.com/office/drawing/2014/main" xmlns="" id="{C0E9CC76-7D72-4969-BD00-A0B24BDA5F33}"/>
               </a:ext>
             </a:extLst>
           </p:cNvPr>
@@ -32286,7 +31908,7 @@
           <p:cNvPr id="5" name="Google Shape;272;p8">
             <a:extLst>
               <a:ext uri="{FF2B5EF4-FFF2-40B4-BE49-F238E27FC236}">
-                <a16:creationId xmlns:a16="http://schemas.microsoft.com/office/drawing/2014/main" id="{519DCF76-2ABA-46FE-AC2D-ED1F517ACD11}"/>
+                <a16:creationId xmlns:a16="http://schemas.microsoft.com/office/drawing/2014/main" xmlns="" id="{519DCF76-2ABA-46FE-AC2D-ED1F517ACD11}"/>
               </a:ext>
             </a:extLst>
           </p:cNvPr>
@@ -32319,7 +31941,7 @@
           <p:cNvPr id="7" name="Text Placeholder 2">
             <a:extLst>
               <a:ext uri="{FF2B5EF4-FFF2-40B4-BE49-F238E27FC236}">
-                <a16:creationId xmlns:a16="http://schemas.microsoft.com/office/drawing/2014/main" id="{9D0794A8-F0A1-4F54-A000-5E2D5472C0A0}"/>
+                <a16:creationId xmlns:a16="http://schemas.microsoft.com/office/drawing/2014/main" xmlns="" id="{9D0794A8-F0A1-4F54-A000-5E2D5472C0A0}"/>
               </a:ext>
             </a:extLst>
           </p:cNvPr>
@@ -32368,7 +31990,7 @@
           <p:cNvPr id="6" name="Diagram 5">
             <a:extLst>
               <a:ext uri="{FF2B5EF4-FFF2-40B4-BE49-F238E27FC236}">
-                <a16:creationId xmlns:a16="http://schemas.microsoft.com/office/drawing/2014/main" id="{87733738-EA0A-4A37-B3BD-4A9EFBC3A40F}"/>
+                <a16:creationId xmlns:a16="http://schemas.microsoft.com/office/drawing/2014/main" xmlns="" id="{87733738-EA0A-4A37-B3BD-4A9EFBC3A40F}"/>
               </a:ext>
             </a:extLst>
           </p:cNvPr>
@@ -32576,7 +32198,7 @@
           <p:cNvPr id="2" name="Title 1">
             <a:extLst>
               <a:ext uri="{FF2B5EF4-FFF2-40B4-BE49-F238E27FC236}">
-                <a16:creationId xmlns:a16="http://schemas.microsoft.com/office/drawing/2014/main" id="{C0E9CC76-7D72-4969-BD00-A0B24BDA5F33}"/>
+                <a16:creationId xmlns:a16="http://schemas.microsoft.com/office/drawing/2014/main" xmlns="" id="{C0E9CC76-7D72-4969-BD00-A0B24BDA5F33}"/>
               </a:ext>
             </a:extLst>
           </p:cNvPr>
@@ -32613,7 +32235,7 @@
           <p:cNvPr id="5" name="Google Shape;272;p8">
             <a:extLst>
               <a:ext uri="{FF2B5EF4-FFF2-40B4-BE49-F238E27FC236}">
-                <a16:creationId xmlns:a16="http://schemas.microsoft.com/office/drawing/2014/main" id="{519DCF76-2ABA-46FE-AC2D-ED1F517ACD11}"/>
+                <a16:creationId xmlns:a16="http://schemas.microsoft.com/office/drawing/2014/main" xmlns="" id="{519DCF76-2ABA-46FE-AC2D-ED1F517ACD11}"/>
               </a:ext>
             </a:extLst>
           </p:cNvPr>
@@ -32646,7 +32268,7 @@
           <p:cNvPr id="7" name="Text Placeholder 2">
             <a:extLst>
               <a:ext uri="{FF2B5EF4-FFF2-40B4-BE49-F238E27FC236}">
-                <a16:creationId xmlns:a16="http://schemas.microsoft.com/office/drawing/2014/main" id="{9D0794A8-F0A1-4F54-A000-5E2D5472C0A0}"/>
+                <a16:creationId xmlns:a16="http://schemas.microsoft.com/office/drawing/2014/main" xmlns="" id="{9D0794A8-F0A1-4F54-A000-5E2D5472C0A0}"/>
               </a:ext>
             </a:extLst>
           </p:cNvPr>
@@ -32695,7 +32317,7 @@
           <p:cNvPr id="6" name="Diagram 5">
             <a:extLst>
               <a:ext uri="{FF2B5EF4-FFF2-40B4-BE49-F238E27FC236}">
-                <a16:creationId xmlns:a16="http://schemas.microsoft.com/office/drawing/2014/main" id="{56057F8D-0397-4581-AE69-E2D9C45E0EB0}"/>
+                <a16:creationId xmlns:a16="http://schemas.microsoft.com/office/drawing/2014/main" xmlns="" id="{56057F8D-0397-4581-AE69-E2D9C45E0EB0}"/>
               </a:ext>
             </a:extLst>
           </p:cNvPr>
@@ -32903,7 +32525,7 @@
           <p:cNvPr id="2" name="Title 1">
             <a:extLst>
               <a:ext uri="{FF2B5EF4-FFF2-40B4-BE49-F238E27FC236}">
-                <a16:creationId xmlns:a16="http://schemas.microsoft.com/office/drawing/2014/main" id="{98B95AF1-7DC4-4051-994C-B11997DEE003}"/>
+                <a16:creationId xmlns:a16="http://schemas.microsoft.com/office/drawing/2014/main" xmlns="" id="{98B95AF1-7DC4-4051-994C-B11997DEE003}"/>
               </a:ext>
             </a:extLst>
           </p:cNvPr>
@@ -32967,7 +32589,7 @@
           <p:cNvPr id="2" name="Title 1">
             <a:extLst>
               <a:ext uri="{FF2B5EF4-FFF2-40B4-BE49-F238E27FC236}">
-                <a16:creationId xmlns:a16="http://schemas.microsoft.com/office/drawing/2014/main" id="{C0E9CC76-7D72-4969-BD00-A0B24BDA5F33}"/>
+                <a16:creationId xmlns:a16="http://schemas.microsoft.com/office/drawing/2014/main" xmlns="" id="{C0E9CC76-7D72-4969-BD00-A0B24BDA5F33}"/>
               </a:ext>
             </a:extLst>
           </p:cNvPr>
@@ -33004,7 +32626,7 @@
           <p:cNvPr id="5" name="Google Shape;272;p8">
             <a:extLst>
               <a:ext uri="{FF2B5EF4-FFF2-40B4-BE49-F238E27FC236}">
-                <a16:creationId xmlns:a16="http://schemas.microsoft.com/office/drawing/2014/main" id="{519DCF76-2ABA-46FE-AC2D-ED1F517ACD11}"/>
+                <a16:creationId xmlns:a16="http://schemas.microsoft.com/office/drawing/2014/main" xmlns="" id="{519DCF76-2ABA-46FE-AC2D-ED1F517ACD11}"/>
               </a:ext>
             </a:extLst>
           </p:cNvPr>
@@ -33037,7 +32659,7 @@
           <p:cNvPr id="7" name="Text Placeholder 2">
             <a:extLst>
               <a:ext uri="{FF2B5EF4-FFF2-40B4-BE49-F238E27FC236}">
-                <a16:creationId xmlns:a16="http://schemas.microsoft.com/office/drawing/2014/main" id="{9D0794A8-F0A1-4F54-A000-5E2D5472C0A0}"/>
+                <a16:creationId xmlns:a16="http://schemas.microsoft.com/office/drawing/2014/main" xmlns="" id="{9D0794A8-F0A1-4F54-A000-5E2D5472C0A0}"/>
               </a:ext>
             </a:extLst>
           </p:cNvPr>
@@ -33535,7 +33157,7 @@
           <p:cNvPr id="2" name="Title 1">
             <a:extLst>
               <a:ext uri="{FF2B5EF4-FFF2-40B4-BE49-F238E27FC236}">
-                <a16:creationId xmlns:a16="http://schemas.microsoft.com/office/drawing/2014/main" id="{C0E9CC76-7D72-4969-BD00-A0B24BDA5F33}"/>
+                <a16:creationId xmlns:a16="http://schemas.microsoft.com/office/drawing/2014/main" xmlns="" id="{C0E9CC76-7D72-4969-BD00-A0B24BDA5F33}"/>
               </a:ext>
             </a:extLst>
           </p:cNvPr>
@@ -33572,7 +33194,7 @@
           <p:cNvPr id="5" name="Google Shape;272;p8">
             <a:extLst>
               <a:ext uri="{FF2B5EF4-FFF2-40B4-BE49-F238E27FC236}">
-                <a16:creationId xmlns:a16="http://schemas.microsoft.com/office/drawing/2014/main" id="{519DCF76-2ABA-46FE-AC2D-ED1F517ACD11}"/>
+                <a16:creationId xmlns:a16="http://schemas.microsoft.com/office/drawing/2014/main" xmlns="" id="{519DCF76-2ABA-46FE-AC2D-ED1F517ACD11}"/>
               </a:ext>
             </a:extLst>
           </p:cNvPr>
@@ -33605,7 +33227,7 @@
           <p:cNvPr id="4" name="Picture 3">
             <a:extLst>
               <a:ext uri="{FF2B5EF4-FFF2-40B4-BE49-F238E27FC236}">
-                <a16:creationId xmlns:a16="http://schemas.microsoft.com/office/drawing/2014/main" id="{D2E6676B-459A-4710-B009-4C6BCF1ED736}"/>
+                <a16:creationId xmlns:a16="http://schemas.microsoft.com/office/drawing/2014/main" xmlns="" id="{D2E6676B-459A-4710-B009-4C6BCF1ED736}"/>
               </a:ext>
             </a:extLst>
           </p:cNvPr>
@@ -33673,7 +33295,7 @@
           <p:cNvPr id="2" name="Title 1">
             <a:extLst>
               <a:ext uri="{FF2B5EF4-FFF2-40B4-BE49-F238E27FC236}">
-                <a16:creationId xmlns:a16="http://schemas.microsoft.com/office/drawing/2014/main" id="{C0E9CC76-7D72-4969-BD00-A0B24BDA5F33}"/>
+                <a16:creationId xmlns:a16="http://schemas.microsoft.com/office/drawing/2014/main" xmlns="" id="{C0E9CC76-7D72-4969-BD00-A0B24BDA5F33}"/>
               </a:ext>
             </a:extLst>
           </p:cNvPr>
@@ -33710,7 +33332,7 @@
           <p:cNvPr id="5" name="Google Shape;272;p8">
             <a:extLst>
               <a:ext uri="{FF2B5EF4-FFF2-40B4-BE49-F238E27FC236}">
-                <a16:creationId xmlns:a16="http://schemas.microsoft.com/office/drawing/2014/main" id="{519DCF76-2ABA-46FE-AC2D-ED1F517ACD11}"/>
+                <a16:creationId xmlns:a16="http://schemas.microsoft.com/office/drawing/2014/main" xmlns="" id="{519DCF76-2ABA-46FE-AC2D-ED1F517ACD11}"/>
               </a:ext>
             </a:extLst>
           </p:cNvPr>
@@ -33743,7 +33365,7 @@
           <p:cNvPr id="7" name="Text Placeholder 2">
             <a:extLst>
               <a:ext uri="{FF2B5EF4-FFF2-40B4-BE49-F238E27FC236}">
-                <a16:creationId xmlns:a16="http://schemas.microsoft.com/office/drawing/2014/main" id="{9D0794A8-F0A1-4F54-A000-5E2D5472C0A0}"/>
+                <a16:creationId xmlns:a16="http://schemas.microsoft.com/office/drawing/2014/main" xmlns="" id="{9D0794A8-F0A1-4F54-A000-5E2D5472C0A0}"/>
               </a:ext>
             </a:extLst>
           </p:cNvPr>
@@ -33872,7 +33494,7 @@
           <p:cNvPr id="4" name="Diagram 3">
             <a:extLst>
               <a:ext uri="{FF2B5EF4-FFF2-40B4-BE49-F238E27FC236}">
-                <a16:creationId xmlns:a16="http://schemas.microsoft.com/office/drawing/2014/main" id="{85A7FDAF-D60E-47D3-B1E9-09CFF81B8AD3}"/>
+                <a16:creationId xmlns:a16="http://schemas.microsoft.com/office/drawing/2014/main" xmlns="" id="{85A7FDAF-D60E-47D3-B1E9-09CFF81B8AD3}"/>
               </a:ext>
             </a:extLst>
           </p:cNvPr>
@@ -34547,7 +34169,7 @@
           <p:cNvPr id="28" name="Google Shape;288;p10">
             <a:extLst>
               <a:ext uri="{FF2B5EF4-FFF2-40B4-BE49-F238E27FC236}">
-                <a16:creationId xmlns:a16="http://schemas.microsoft.com/office/drawing/2014/main" id="{7FEAED26-5471-423E-BAFF-912880F55D42}"/>
+                <a16:creationId xmlns:a16="http://schemas.microsoft.com/office/drawing/2014/main" xmlns="" id="{7FEAED26-5471-423E-BAFF-912880F55D42}"/>
               </a:ext>
             </a:extLst>
           </p:cNvPr>
@@ -34844,7 +34466,7 @@
           <p:cNvPr id="29" name="Google Shape;289;p10">
             <a:extLst>
               <a:ext uri="{FF2B5EF4-FFF2-40B4-BE49-F238E27FC236}">
-                <a16:creationId xmlns:a16="http://schemas.microsoft.com/office/drawing/2014/main" id="{3D52B6F4-611A-48EC-ABA6-F255102BFF09}"/>
+                <a16:creationId xmlns:a16="http://schemas.microsoft.com/office/drawing/2014/main" xmlns="" id="{3D52B6F4-611A-48EC-ABA6-F255102BFF09}"/>
               </a:ext>
             </a:extLst>
           </p:cNvPr>
@@ -35141,7 +34763,7 @@
           <p:cNvPr id="30" name="Google Shape;290;p10">
             <a:extLst>
               <a:ext uri="{FF2B5EF4-FFF2-40B4-BE49-F238E27FC236}">
-                <a16:creationId xmlns:a16="http://schemas.microsoft.com/office/drawing/2014/main" id="{836E01F8-3774-46B3-8E3B-EF1F2214D0B8}"/>
+                <a16:creationId xmlns:a16="http://schemas.microsoft.com/office/drawing/2014/main" xmlns="" id="{836E01F8-3774-46B3-8E3B-EF1F2214D0B8}"/>
               </a:ext>
             </a:extLst>
           </p:cNvPr>
@@ -35438,7 +35060,7 @@
           <p:cNvPr id="31" name="Google Shape;291;p10">
             <a:extLst>
               <a:ext uri="{FF2B5EF4-FFF2-40B4-BE49-F238E27FC236}">
-                <a16:creationId xmlns:a16="http://schemas.microsoft.com/office/drawing/2014/main" id="{AB1DDD49-EBEF-4222-B0A8-2BD059A047E7}"/>
+                <a16:creationId xmlns:a16="http://schemas.microsoft.com/office/drawing/2014/main" xmlns="" id="{AB1DDD49-EBEF-4222-B0A8-2BD059A047E7}"/>
               </a:ext>
             </a:extLst>
           </p:cNvPr>
@@ -35735,7 +35357,7 @@
           <p:cNvPr id="32" name="Google Shape;292;p10">
             <a:extLst>
               <a:ext uri="{FF2B5EF4-FFF2-40B4-BE49-F238E27FC236}">
-                <a16:creationId xmlns:a16="http://schemas.microsoft.com/office/drawing/2014/main" id="{87B82EA8-38DA-4FC3-8033-F3C6FB42673D}"/>
+                <a16:creationId xmlns:a16="http://schemas.microsoft.com/office/drawing/2014/main" xmlns="" id="{87B82EA8-38DA-4FC3-8033-F3C6FB42673D}"/>
               </a:ext>
             </a:extLst>
           </p:cNvPr>
@@ -36032,7 +35654,7 @@
           <p:cNvPr id="33" name="Google Shape;293;p10">
             <a:extLst>
               <a:ext uri="{FF2B5EF4-FFF2-40B4-BE49-F238E27FC236}">
-                <a16:creationId xmlns:a16="http://schemas.microsoft.com/office/drawing/2014/main" id="{64A5AE52-4A94-40FE-A3AF-AC91F2E4DF7E}"/>
+                <a16:creationId xmlns:a16="http://schemas.microsoft.com/office/drawing/2014/main" xmlns="" id="{64A5AE52-4A94-40FE-A3AF-AC91F2E4DF7E}"/>
               </a:ext>
             </a:extLst>
           </p:cNvPr>
@@ -36615,7 +36237,7 @@
           <p:cNvPr id="12" name="Google Shape;288;p10">
             <a:extLst>
               <a:ext uri="{FF2B5EF4-FFF2-40B4-BE49-F238E27FC236}">
-                <a16:creationId xmlns:a16="http://schemas.microsoft.com/office/drawing/2014/main" id="{9A906FEA-8703-4805-B04B-22BAEB395DA4}"/>
+                <a16:creationId xmlns:a16="http://schemas.microsoft.com/office/drawing/2014/main" xmlns="" id="{9A906FEA-8703-4805-B04B-22BAEB395DA4}"/>
               </a:ext>
             </a:extLst>
           </p:cNvPr>
@@ -36909,7 +36531,7 @@
           <p:cNvPr id="13" name="Google Shape;289;p10">
             <a:extLst>
               <a:ext uri="{FF2B5EF4-FFF2-40B4-BE49-F238E27FC236}">
-                <a16:creationId xmlns:a16="http://schemas.microsoft.com/office/drawing/2014/main" id="{77629AF4-1C99-473F-B713-CFD847BD74C5}"/>
+                <a16:creationId xmlns:a16="http://schemas.microsoft.com/office/drawing/2014/main" xmlns="" id="{77629AF4-1C99-473F-B713-CFD847BD74C5}"/>
               </a:ext>
             </a:extLst>
           </p:cNvPr>
@@ -37206,7 +36828,7 @@
           <p:cNvPr id="14" name="Google Shape;290;p10">
             <a:extLst>
               <a:ext uri="{FF2B5EF4-FFF2-40B4-BE49-F238E27FC236}">
-                <a16:creationId xmlns:a16="http://schemas.microsoft.com/office/drawing/2014/main" id="{921774B7-E7BE-45DB-A1EF-BCC9BEE09AB2}"/>
+                <a16:creationId xmlns:a16="http://schemas.microsoft.com/office/drawing/2014/main" xmlns="" id="{921774B7-E7BE-45DB-A1EF-BCC9BEE09AB2}"/>
               </a:ext>
             </a:extLst>
           </p:cNvPr>
@@ -37503,7 +37125,7 @@
           <p:cNvPr id="15" name="Google Shape;291;p10">
             <a:extLst>
               <a:ext uri="{FF2B5EF4-FFF2-40B4-BE49-F238E27FC236}">
-                <a16:creationId xmlns:a16="http://schemas.microsoft.com/office/drawing/2014/main" id="{CBC25925-9D7D-4941-889D-24A45A9839F3}"/>
+                <a16:creationId xmlns:a16="http://schemas.microsoft.com/office/drawing/2014/main" xmlns="" id="{CBC25925-9D7D-4941-889D-24A45A9839F3}"/>
               </a:ext>
             </a:extLst>
           </p:cNvPr>
@@ -37797,7 +37419,7 @@
           <p:cNvPr id="16" name="Google Shape;292;p10">
             <a:extLst>
               <a:ext uri="{FF2B5EF4-FFF2-40B4-BE49-F238E27FC236}">
-                <a16:creationId xmlns:a16="http://schemas.microsoft.com/office/drawing/2014/main" id="{4F40FA7E-25D4-469B-AD8B-9F446AE7D886}"/>
+                <a16:creationId xmlns:a16="http://schemas.microsoft.com/office/drawing/2014/main" xmlns="" id="{4F40FA7E-25D4-469B-AD8B-9F446AE7D886}"/>
               </a:ext>
             </a:extLst>
           </p:cNvPr>
@@ -38091,7 +37713,7 @@
           <p:cNvPr id="17" name="Google Shape;293;p10">
             <a:extLst>
               <a:ext uri="{FF2B5EF4-FFF2-40B4-BE49-F238E27FC236}">
-                <a16:creationId xmlns:a16="http://schemas.microsoft.com/office/drawing/2014/main" id="{F4432488-A0E8-4FB5-B72F-D70D5AFC502A}"/>
+                <a16:creationId xmlns:a16="http://schemas.microsoft.com/office/drawing/2014/main" xmlns="" id="{F4432488-A0E8-4FB5-B72F-D70D5AFC502A}"/>
               </a:ext>
             </a:extLst>
           </p:cNvPr>
@@ -38678,7 +38300,7 @@
           <p:cNvPr id="18" name="Google Shape;288;p10">
             <a:extLst>
               <a:ext uri="{FF2B5EF4-FFF2-40B4-BE49-F238E27FC236}">
-                <a16:creationId xmlns:a16="http://schemas.microsoft.com/office/drawing/2014/main" id="{1E642826-EC2D-4466-AA54-8D3846728E54}"/>
+                <a16:creationId xmlns:a16="http://schemas.microsoft.com/office/drawing/2014/main" xmlns="" id="{1E642826-EC2D-4466-AA54-8D3846728E54}"/>
               </a:ext>
             </a:extLst>
           </p:cNvPr>
@@ -38972,7 +38594,7 @@
           <p:cNvPr id="19" name="Google Shape;289;p10">
             <a:extLst>
               <a:ext uri="{FF2B5EF4-FFF2-40B4-BE49-F238E27FC236}">
-                <a16:creationId xmlns:a16="http://schemas.microsoft.com/office/drawing/2014/main" id="{450D5C0E-BE21-40C6-A796-9D7E0F7D9055}"/>
+                <a16:creationId xmlns:a16="http://schemas.microsoft.com/office/drawing/2014/main" xmlns="" id="{450D5C0E-BE21-40C6-A796-9D7E0F7D9055}"/>
               </a:ext>
             </a:extLst>
           </p:cNvPr>
@@ -39269,7 +38891,7 @@
           <p:cNvPr id="20" name="Google Shape;290;p10">
             <a:extLst>
               <a:ext uri="{FF2B5EF4-FFF2-40B4-BE49-F238E27FC236}">
-                <a16:creationId xmlns:a16="http://schemas.microsoft.com/office/drawing/2014/main" id="{18DFCCB6-8D52-4760-A83B-9D19D454E84C}"/>
+                <a16:creationId xmlns:a16="http://schemas.microsoft.com/office/drawing/2014/main" xmlns="" id="{18DFCCB6-8D52-4760-A83B-9D19D454E84C}"/>
               </a:ext>
             </a:extLst>
           </p:cNvPr>
@@ -39566,7 +39188,7 @@
           <p:cNvPr id="21" name="Google Shape;291;p10">
             <a:extLst>
               <a:ext uri="{FF2B5EF4-FFF2-40B4-BE49-F238E27FC236}">
-                <a16:creationId xmlns:a16="http://schemas.microsoft.com/office/drawing/2014/main" id="{A69B1CF5-C7C5-4A80-915B-C835ACDAFD2B}"/>
+                <a16:creationId xmlns:a16="http://schemas.microsoft.com/office/drawing/2014/main" xmlns="" id="{A69B1CF5-C7C5-4A80-915B-C835ACDAFD2B}"/>
               </a:ext>
             </a:extLst>
           </p:cNvPr>
@@ -39860,7 +39482,7 @@
           <p:cNvPr id="22" name="Google Shape;292;p10">
             <a:extLst>
               <a:ext uri="{FF2B5EF4-FFF2-40B4-BE49-F238E27FC236}">
-                <a16:creationId xmlns:a16="http://schemas.microsoft.com/office/drawing/2014/main" id="{4846955B-7096-44AF-8E2D-2EF79FBD4099}"/>
+                <a16:creationId xmlns:a16="http://schemas.microsoft.com/office/drawing/2014/main" xmlns="" id="{4846955B-7096-44AF-8E2D-2EF79FBD4099}"/>
               </a:ext>
             </a:extLst>
           </p:cNvPr>
@@ -40154,7 +39776,7 @@
           <p:cNvPr id="23" name="Google Shape;293;p10">
             <a:extLst>
               <a:ext uri="{FF2B5EF4-FFF2-40B4-BE49-F238E27FC236}">
-                <a16:creationId xmlns:a16="http://schemas.microsoft.com/office/drawing/2014/main" id="{A765F223-4646-47DB-AB15-A8FFD9EB260B}"/>
+                <a16:creationId xmlns:a16="http://schemas.microsoft.com/office/drawing/2014/main" xmlns="" id="{A765F223-4646-47DB-AB15-A8FFD9EB260B}"/>
               </a:ext>
             </a:extLst>
           </p:cNvPr>
@@ -40741,7 +40363,7 @@
           <p:cNvPr id="12" name="Google Shape;288;p10">
             <a:extLst>
               <a:ext uri="{FF2B5EF4-FFF2-40B4-BE49-F238E27FC236}">
-                <a16:creationId xmlns:a16="http://schemas.microsoft.com/office/drawing/2014/main" id="{C6BF1BD7-2B05-4CAD-80F9-0033FAC5B4FE}"/>
+                <a16:creationId xmlns:a16="http://schemas.microsoft.com/office/drawing/2014/main" xmlns="" id="{C6BF1BD7-2B05-4CAD-80F9-0033FAC5B4FE}"/>
               </a:ext>
             </a:extLst>
           </p:cNvPr>
@@ -41035,7 +40657,7 @@
           <p:cNvPr id="13" name="Google Shape;289;p10">
             <a:extLst>
               <a:ext uri="{FF2B5EF4-FFF2-40B4-BE49-F238E27FC236}">
-                <a16:creationId xmlns:a16="http://schemas.microsoft.com/office/drawing/2014/main" id="{D9DAD30B-17F5-40D9-A1F3-CDB5218573F1}"/>
+                <a16:creationId xmlns:a16="http://schemas.microsoft.com/office/drawing/2014/main" xmlns="" id="{D9DAD30B-17F5-40D9-A1F3-CDB5218573F1}"/>
               </a:ext>
             </a:extLst>
           </p:cNvPr>
@@ -41332,7 +40954,7 @@
           <p:cNvPr id="14" name="Google Shape;290;p10">
             <a:extLst>
               <a:ext uri="{FF2B5EF4-FFF2-40B4-BE49-F238E27FC236}">
-                <a16:creationId xmlns:a16="http://schemas.microsoft.com/office/drawing/2014/main" id="{4483F73B-E74E-4418-8DF0-C1452744E88F}"/>
+                <a16:creationId xmlns:a16="http://schemas.microsoft.com/office/drawing/2014/main" xmlns="" id="{4483F73B-E74E-4418-8DF0-C1452744E88F}"/>
               </a:ext>
             </a:extLst>
           </p:cNvPr>
@@ -41629,7 +41251,7 @@
           <p:cNvPr id="15" name="Google Shape;291;p10">
             <a:extLst>
               <a:ext uri="{FF2B5EF4-FFF2-40B4-BE49-F238E27FC236}">
-                <a16:creationId xmlns:a16="http://schemas.microsoft.com/office/drawing/2014/main" id="{A540ED00-C48D-4A44-A6F0-8E8CF6436DE5}"/>
+                <a16:creationId xmlns:a16="http://schemas.microsoft.com/office/drawing/2014/main" xmlns="" id="{A540ED00-C48D-4A44-A6F0-8E8CF6436DE5}"/>
               </a:ext>
             </a:extLst>
           </p:cNvPr>
@@ -41923,7 +41545,7 @@
           <p:cNvPr id="16" name="Google Shape;292;p10">
             <a:extLst>
               <a:ext uri="{FF2B5EF4-FFF2-40B4-BE49-F238E27FC236}">
-                <a16:creationId xmlns:a16="http://schemas.microsoft.com/office/drawing/2014/main" id="{B6D03FB3-BECB-4FE8-8FE8-6D3C90FCF836}"/>
+                <a16:creationId xmlns:a16="http://schemas.microsoft.com/office/drawing/2014/main" xmlns="" id="{B6D03FB3-BECB-4FE8-8FE8-6D3C90FCF836}"/>
               </a:ext>
             </a:extLst>
           </p:cNvPr>
@@ -42217,7 +41839,7 @@
           <p:cNvPr id="17" name="Google Shape;293;p10">
             <a:extLst>
               <a:ext uri="{FF2B5EF4-FFF2-40B4-BE49-F238E27FC236}">
-                <a16:creationId xmlns:a16="http://schemas.microsoft.com/office/drawing/2014/main" id="{0AF25707-83AF-4923-9B0C-ECEE1F780525}"/>
+                <a16:creationId xmlns:a16="http://schemas.microsoft.com/office/drawing/2014/main" xmlns="" id="{0AF25707-83AF-4923-9B0C-ECEE1F780525}"/>
               </a:ext>
             </a:extLst>
           </p:cNvPr>
@@ -42696,7 +42318,7 @@
           <p:cNvPr id="2" name="Title 1">
             <a:extLst>
               <a:ext uri="{FF2B5EF4-FFF2-40B4-BE49-F238E27FC236}">
-                <a16:creationId xmlns:a16="http://schemas.microsoft.com/office/drawing/2014/main" id="{C0E9CC76-7D72-4969-BD00-A0B24BDA5F33}"/>
+                <a16:creationId xmlns:a16="http://schemas.microsoft.com/office/drawing/2014/main" xmlns="" id="{C0E9CC76-7D72-4969-BD00-A0B24BDA5F33}"/>
               </a:ext>
             </a:extLst>
           </p:cNvPr>
@@ -42733,7 +42355,7 @@
           <p:cNvPr id="5" name="Google Shape;272;p8">
             <a:extLst>
               <a:ext uri="{FF2B5EF4-FFF2-40B4-BE49-F238E27FC236}">
-                <a16:creationId xmlns:a16="http://schemas.microsoft.com/office/drawing/2014/main" id="{519DCF76-2ABA-46FE-AC2D-ED1F517ACD11}"/>
+                <a16:creationId xmlns:a16="http://schemas.microsoft.com/office/drawing/2014/main" xmlns="" id="{519DCF76-2ABA-46FE-AC2D-ED1F517ACD11}"/>
               </a:ext>
             </a:extLst>
           </p:cNvPr>
@@ -42766,7 +42388,7 @@
           <p:cNvPr id="7" name="Text Placeholder 2">
             <a:extLst>
               <a:ext uri="{FF2B5EF4-FFF2-40B4-BE49-F238E27FC236}">
-                <a16:creationId xmlns:a16="http://schemas.microsoft.com/office/drawing/2014/main" id="{9D0794A8-F0A1-4F54-A000-5E2D5472C0A0}"/>
+                <a16:creationId xmlns:a16="http://schemas.microsoft.com/office/drawing/2014/main" xmlns="" id="{9D0794A8-F0A1-4F54-A000-5E2D5472C0A0}"/>
               </a:ext>
             </a:extLst>
           </p:cNvPr>
@@ -43379,7 +43001,7 @@
           <p:cNvPr id="12" name="Google Shape;288;p10">
             <a:extLst>
               <a:ext uri="{FF2B5EF4-FFF2-40B4-BE49-F238E27FC236}">
-                <a16:creationId xmlns:a16="http://schemas.microsoft.com/office/drawing/2014/main" id="{C6BF1BD7-2B05-4CAD-80F9-0033FAC5B4FE}"/>
+                <a16:creationId xmlns:a16="http://schemas.microsoft.com/office/drawing/2014/main" xmlns="" id="{C6BF1BD7-2B05-4CAD-80F9-0033FAC5B4FE}"/>
               </a:ext>
             </a:extLst>
           </p:cNvPr>
@@ -43666,7 +43288,7 @@
           <p:cNvPr id="18" name="Google Shape;289;p10">
             <a:extLst>
               <a:ext uri="{FF2B5EF4-FFF2-40B4-BE49-F238E27FC236}">
-                <a16:creationId xmlns:a16="http://schemas.microsoft.com/office/drawing/2014/main" id="{101F83F1-78C6-49C9-9034-032A4BAE98F8}"/>
+                <a16:creationId xmlns:a16="http://schemas.microsoft.com/office/drawing/2014/main" xmlns="" id="{101F83F1-78C6-49C9-9034-032A4BAE98F8}"/>
               </a:ext>
             </a:extLst>
           </p:cNvPr>
@@ -43963,7 +43585,7 @@
           <p:cNvPr id="19" name="Google Shape;290;p10">
             <a:extLst>
               <a:ext uri="{FF2B5EF4-FFF2-40B4-BE49-F238E27FC236}">
-                <a16:creationId xmlns:a16="http://schemas.microsoft.com/office/drawing/2014/main" id="{E888D123-B95D-4E49-B568-521931BABB23}"/>
+                <a16:creationId xmlns:a16="http://schemas.microsoft.com/office/drawing/2014/main" xmlns="" id="{E888D123-B95D-4E49-B568-521931BABB23}"/>
               </a:ext>
             </a:extLst>
           </p:cNvPr>
@@ -44260,7 +43882,7 @@
           <p:cNvPr id="20" name="Google Shape;291;p10">
             <a:extLst>
               <a:ext uri="{FF2B5EF4-FFF2-40B4-BE49-F238E27FC236}">
-                <a16:creationId xmlns:a16="http://schemas.microsoft.com/office/drawing/2014/main" id="{C93E61B8-CDA8-4305-B1B0-99970C00FBFC}"/>
+                <a16:creationId xmlns:a16="http://schemas.microsoft.com/office/drawing/2014/main" xmlns="" id="{C93E61B8-CDA8-4305-B1B0-99970C00FBFC}"/>
               </a:ext>
             </a:extLst>
           </p:cNvPr>
@@ -44550,7 +44172,7 @@
           <p:cNvPr id="21" name="Google Shape;292;p10">
             <a:extLst>
               <a:ext uri="{FF2B5EF4-FFF2-40B4-BE49-F238E27FC236}">
-                <a16:creationId xmlns:a16="http://schemas.microsoft.com/office/drawing/2014/main" id="{E70ADCA6-8193-4E3A-B9EC-AEA7A1139A59}"/>
+                <a16:creationId xmlns:a16="http://schemas.microsoft.com/office/drawing/2014/main" xmlns="" id="{E70ADCA6-8193-4E3A-B9EC-AEA7A1139A59}"/>
               </a:ext>
             </a:extLst>
           </p:cNvPr>
@@ -44840,7 +44462,7 @@
           <p:cNvPr id="22" name="Google Shape;293;p10">
             <a:extLst>
               <a:ext uri="{FF2B5EF4-FFF2-40B4-BE49-F238E27FC236}">
-                <a16:creationId xmlns:a16="http://schemas.microsoft.com/office/drawing/2014/main" id="{930A4209-969B-462A-8C56-AA83DE655245}"/>
+                <a16:creationId xmlns:a16="http://schemas.microsoft.com/office/drawing/2014/main" xmlns="" id="{930A4209-969B-462A-8C56-AA83DE655245}"/>
               </a:ext>
             </a:extLst>
           </p:cNvPr>
@@ -44903,7 +44525,7 @@
           <p:cNvPr id="23" name="Google Shape;288;p10">
             <a:extLst>
               <a:ext uri="{FF2B5EF4-FFF2-40B4-BE49-F238E27FC236}">
-                <a16:creationId xmlns:a16="http://schemas.microsoft.com/office/drawing/2014/main" id="{4DCF87DC-65D0-49BD-B1BD-22F1C254CB84}"/>
+                <a16:creationId xmlns:a16="http://schemas.microsoft.com/office/drawing/2014/main" xmlns="" id="{4DCF87DC-65D0-49BD-B1BD-22F1C254CB84}"/>
               </a:ext>
             </a:extLst>
           </p:cNvPr>
@@ -44996,7 +44618,7 @@
           <p:cNvPr id="2" name="Title 1">
             <a:extLst>
               <a:ext uri="{FF2B5EF4-FFF2-40B4-BE49-F238E27FC236}">
-                <a16:creationId xmlns:a16="http://schemas.microsoft.com/office/drawing/2014/main" id="{C0E9CC76-7D72-4969-BD00-A0B24BDA5F33}"/>
+                <a16:creationId xmlns:a16="http://schemas.microsoft.com/office/drawing/2014/main" xmlns="" id="{C0E9CC76-7D72-4969-BD00-A0B24BDA5F33}"/>
               </a:ext>
             </a:extLst>
           </p:cNvPr>
@@ -45033,7 +44655,7 @@
           <p:cNvPr id="5" name="Google Shape;272;p8">
             <a:extLst>
               <a:ext uri="{FF2B5EF4-FFF2-40B4-BE49-F238E27FC236}">
-                <a16:creationId xmlns:a16="http://schemas.microsoft.com/office/drawing/2014/main" id="{519DCF76-2ABA-46FE-AC2D-ED1F517ACD11}"/>
+                <a16:creationId xmlns:a16="http://schemas.microsoft.com/office/drawing/2014/main" xmlns="" id="{519DCF76-2ABA-46FE-AC2D-ED1F517ACD11}"/>
               </a:ext>
             </a:extLst>
           </p:cNvPr>
@@ -45066,7 +44688,7 @@
           <p:cNvPr id="7" name="Text Placeholder 2">
             <a:extLst>
               <a:ext uri="{FF2B5EF4-FFF2-40B4-BE49-F238E27FC236}">
-                <a16:creationId xmlns:a16="http://schemas.microsoft.com/office/drawing/2014/main" id="{9D0794A8-F0A1-4F54-A000-5E2D5472C0A0}"/>
+                <a16:creationId xmlns:a16="http://schemas.microsoft.com/office/drawing/2014/main" xmlns="" id="{9D0794A8-F0A1-4F54-A000-5E2D5472C0A0}"/>
               </a:ext>
             </a:extLst>
           </p:cNvPr>
@@ -45115,7 +44737,7 @@
           <p:cNvPr id="3" name="Diagram 2">
             <a:extLst>
               <a:ext uri="{FF2B5EF4-FFF2-40B4-BE49-F238E27FC236}">
-                <a16:creationId xmlns:a16="http://schemas.microsoft.com/office/drawing/2014/main" id="{B99BCF96-98E4-45A9-9F21-9CC05634F779}"/>
+                <a16:creationId xmlns:a16="http://schemas.microsoft.com/office/drawing/2014/main" xmlns="" id="{B99BCF96-98E4-45A9-9F21-9CC05634F779}"/>
               </a:ext>
             </a:extLst>
           </p:cNvPr>
@@ -45267,7 +44889,7 @@
           <p:cNvPr id="2" name="Title 1">
             <a:extLst>
               <a:ext uri="{FF2B5EF4-FFF2-40B4-BE49-F238E27FC236}">
-                <a16:creationId xmlns:a16="http://schemas.microsoft.com/office/drawing/2014/main" id="{C0E9CC76-7D72-4969-BD00-A0B24BDA5F33}"/>
+                <a16:creationId xmlns:a16="http://schemas.microsoft.com/office/drawing/2014/main" xmlns="" id="{C0E9CC76-7D72-4969-BD00-A0B24BDA5F33}"/>
               </a:ext>
             </a:extLst>
           </p:cNvPr>
@@ -45304,7 +44926,7 @@
           <p:cNvPr id="5" name="Google Shape;272;p8">
             <a:extLst>
               <a:ext uri="{FF2B5EF4-FFF2-40B4-BE49-F238E27FC236}">
-                <a16:creationId xmlns:a16="http://schemas.microsoft.com/office/drawing/2014/main" id="{519DCF76-2ABA-46FE-AC2D-ED1F517ACD11}"/>
+                <a16:creationId xmlns:a16="http://schemas.microsoft.com/office/drawing/2014/main" xmlns="" id="{519DCF76-2ABA-46FE-AC2D-ED1F517ACD11}"/>
               </a:ext>
             </a:extLst>
           </p:cNvPr>
@@ -45337,7 +44959,7 @@
           <p:cNvPr id="7" name="Text Placeholder 2">
             <a:extLst>
               <a:ext uri="{FF2B5EF4-FFF2-40B4-BE49-F238E27FC236}">
-                <a16:creationId xmlns:a16="http://schemas.microsoft.com/office/drawing/2014/main" id="{9D0794A8-F0A1-4F54-A000-5E2D5472C0A0}"/>
+                <a16:creationId xmlns:a16="http://schemas.microsoft.com/office/drawing/2014/main" xmlns="" id="{9D0794A8-F0A1-4F54-A000-5E2D5472C0A0}"/>
               </a:ext>
             </a:extLst>
           </p:cNvPr>
@@ -45834,7 +45456,7 @@
           <p:cNvPr id="2" name="Title 1">
             <a:extLst>
               <a:ext uri="{FF2B5EF4-FFF2-40B4-BE49-F238E27FC236}">
-                <a16:creationId xmlns:a16="http://schemas.microsoft.com/office/drawing/2014/main" id="{C0E9CC76-7D72-4969-BD00-A0B24BDA5F33}"/>
+                <a16:creationId xmlns:a16="http://schemas.microsoft.com/office/drawing/2014/main" xmlns="" id="{C0E9CC76-7D72-4969-BD00-A0B24BDA5F33}"/>
               </a:ext>
             </a:extLst>
           </p:cNvPr>
@@ -45871,7 +45493,7 @@
           <p:cNvPr id="5" name="Google Shape;272;p8">
             <a:extLst>
               <a:ext uri="{FF2B5EF4-FFF2-40B4-BE49-F238E27FC236}">
-                <a16:creationId xmlns:a16="http://schemas.microsoft.com/office/drawing/2014/main" id="{519DCF76-2ABA-46FE-AC2D-ED1F517ACD11}"/>
+                <a16:creationId xmlns:a16="http://schemas.microsoft.com/office/drawing/2014/main" xmlns="" id="{519DCF76-2ABA-46FE-AC2D-ED1F517ACD11}"/>
               </a:ext>
             </a:extLst>
           </p:cNvPr>
@@ -45904,7 +45526,7 @@
           <p:cNvPr id="1026" name="Picture 2" descr="Waterfall SDLC Model Scheme">
             <a:extLst>
               <a:ext uri="{FF2B5EF4-FFF2-40B4-BE49-F238E27FC236}">
-                <a16:creationId xmlns:a16="http://schemas.microsoft.com/office/drawing/2014/main" id="{23AD147D-F90C-41C2-BB14-62DF4C8BAB73}"/>
+                <a16:creationId xmlns:a16="http://schemas.microsoft.com/office/drawing/2014/main" xmlns="" id="{23AD147D-F90C-41C2-BB14-62DF4C8BAB73}"/>
               </a:ext>
             </a:extLst>
           </p:cNvPr>
@@ -45988,7 +45610,7 @@
           <p:cNvPr id="2" name="Title 1">
             <a:extLst>
               <a:ext uri="{FF2B5EF4-FFF2-40B4-BE49-F238E27FC236}">
-                <a16:creationId xmlns:a16="http://schemas.microsoft.com/office/drawing/2014/main" id="{C0E9CC76-7D72-4969-BD00-A0B24BDA5F33}"/>
+                <a16:creationId xmlns:a16="http://schemas.microsoft.com/office/drawing/2014/main" xmlns="" id="{C0E9CC76-7D72-4969-BD00-A0B24BDA5F33}"/>
               </a:ext>
             </a:extLst>
           </p:cNvPr>
@@ -46025,7 +45647,7 @@
           <p:cNvPr id="5" name="Google Shape;272;p8">
             <a:extLst>
               <a:ext uri="{FF2B5EF4-FFF2-40B4-BE49-F238E27FC236}">
-                <a16:creationId xmlns:a16="http://schemas.microsoft.com/office/drawing/2014/main" id="{519DCF76-2ABA-46FE-AC2D-ED1F517ACD11}"/>
+                <a16:creationId xmlns:a16="http://schemas.microsoft.com/office/drawing/2014/main" xmlns="" id="{519DCF76-2ABA-46FE-AC2D-ED1F517ACD11}"/>
               </a:ext>
             </a:extLst>
           </p:cNvPr>
@@ -46058,7 +45680,7 @@
           <p:cNvPr id="7" name="Text Placeholder 2">
             <a:extLst>
               <a:ext uri="{FF2B5EF4-FFF2-40B4-BE49-F238E27FC236}">
-                <a16:creationId xmlns:a16="http://schemas.microsoft.com/office/drawing/2014/main" id="{9D0794A8-F0A1-4F54-A000-5E2D5472C0A0}"/>
+                <a16:creationId xmlns:a16="http://schemas.microsoft.com/office/drawing/2014/main" xmlns="" id="{9D0794A8-F0A1-4F54-A000-5E2D5472C0A0}"/>
               </a:ext>
             </a:extLst>
           </p:cNvPr>
@@ -46636,7 +46258,7 @@
           <p:cNvPr id="2" name="Title 1">
             <a:extLst>
               <a:ext uri="{FF2B5EF4-FFF2-40B4-BE49-F238E27FC236}">
-                <a16:creationId xmlns:a16="http://schemas.microsoft.com/office/drawing/2014/main" id="{C0E9CC76-7D72-4969-BD00-A0B24BDA5F33}"/>
+                <a16:creationId xmlns:a16="http://schemas.microsoft.com/office/drawing/2014/main" xmlns="" id="{C0E9CC76-7D72-4969-BD00-A0B24BDA5F33}"/>
               </a:ext>
             </a:extLst>
           </p:cNvPr>
@@ -46673,7 +46295,7 @@
           <p:cNvPr id="5" name="Google Shape;272;p8">
             <a:extLst>
               <a:ext uri="{FF2B5EF4-FFF2-40B4-BE49-F238E27FC236}">
-                <a16:creationId xmlns:a16="http://schemas.microsoft.com/office/drawing/2014/main" id="{519DCF76-2ABA-46FE-AC2D-ED1F517ACD11}"/>
+                <a16:creationId xmlns:a16="http://schemas.microsoft.com/office/drawing/2014/main" xmlns="" id="{519DCF76-2ABA-46FE-AC2D-ED1F517ACD11}"/>
               </a:ext>
             </a:extLst>
           </p:cNvPr>
@@ -46706,7 +46328,7 @@
           <p:cNvPr id="2050" name="Picture 2" descr="v-shaped SDLC model scheme">
             <a:extLst>
               <a:ext uri="{FF2B5EF4-FFF2-40B4-BE49-F238E27FC236}">
-                <a16:creationId xmlns:a16="http://schemas.microsoft.com/office/drawing/2014/main" id="{0AD0ACA0-A488-46B4-8D6D-4C57867ADDC2}"/>
+                <a16:creationId xmlns:a16="http://schemas.microsoft.com/office/drawing/2014/main" xmlns="" id="{0AD0ACA0-A488-46B4-8D6D-4C57867ADDC2}"/>
               </a:ext>
             </a:extLst>
           </p:cNvPr>
